--- a/Slides/23. Colisão Avançada.pptx
+++ b/Slides/23. Colisão Avançada.pptx
@@ -5,7 +5,7 @@
     <p:sldMasterId id="2147483780" r:id="rId1"/>
   </p:sldMasterIdLst>
   <p:notesMasterIdLst>
-    <p:notesMasterId r:id="rId14"/>
+    <p:notesMasterId r:id="rId15"/>
   </p:notesMasterIdLst>
   <p:sldIdLst>
     <p:sldId id="347" r:id="rId2"/>
@@ -19,7 +19,8 @@
     <p:sldId id="344" r:id="rId10"/>
     <p:sldId id="345" r:id="rId11"/>
     <p:sldId id="346" r:id="rId12"/>
-    <p:sldId id="336" r:id="rId13"/>
+    <p:sldId id="348" r:id="rId13"/>
+    <p:sldId id="336" r:id="rId14"/>
   </p:sldIdLst>
   <p:sldSz cx="12192000" cy="6858000"/>
   <p:notesSz cx="6858000" cy="9144000"/>
@@ -143,7 +144,7 @@
 <file path=ppt/revisionInfo.xml><?xml version="1.0" encoding="utf-8"?>
 <p1510:revInfo xmlns:a="http://schemas.openxmlformats.org/drawingml/2006/main" xmlns:r="http://schemas.openxmlformats.org/officeDocument/2006/relationships" xmlns:p1510="http://schemas.microsoft.com/office/powerpoint/2015/10/main">
   <p1510:revLst>
-    <p1510:client id="{205ED3D1-AACB-40CD-BED6-AEC7B6528EC2}" v="47" dt="2021-10-25T17:14:53.594"/>
+    <p1510:client id="{205ED3D1-AACB-40CD-BED6-AEC7B6528EC2}" v="81" dt="2021-10-26T14:27:59.309"/>
   </p1510:revLst>
 </p1510:revInfo>
 </file>
@@ -152,8 +153,8 @@
 <pc:chgInfo xmlns:a="http://schemas.openxmlformats.org/drawingml/2006/main" xmlns:r="http://schemas.openxmlformats.org/officeDocument/2006/relationships" xmlns:ac="http://schemas.microsoft.com/office/drawing/2013/main/command" xmlns:pc="http://schemas.microsoft.com/office/powerpoint/2013/main/command">
   <pc:docChgLst>
     <pc:chgData name="Judson Santiago" userId="ebb108da2f256286" providerId="LiveId" clId="{205ED3D1-AACB-40CD-BED6-AEC7B6528EC2}"/>
-    <pc:docChg chg="undo custSel modSld modMainMaster">
-      <pc:chgData name="Judson Santiago" userId="ebb108da2f256286" providerId="LiveId" clId="{205ED3D1-AACB-40CD-BED6-AEC7B6528EC2}" dt="2021-10-25T17:17:14.377" v="521" actId="20577"/>
+    <pc:docChg chg="undo custSel addSld modSld modMainMaster">
+      <pc:chgData name="Judson Santiago" userId="ebb108da2f256286" providerId="LiveId" clId="{205ED3D1-AACB-40CD-BED6-AEC7B6528EC2}" dt="2021-10-26T14:28:07.453" v="961" actId="1076"/>
       <pc:docMkLst>
         <pc:docMk/>
       </pc:docMkLst>
@@ -180,7 +181,7 @@
         </pc:sldMkLst>
       </pc:sldChg>
       <pc:sldChg chg="addSp modSp mod modTransition">
-        <pc:chgData name="Judson Santiago" userId="ebb108da2f256286" providerId="LiveId" clId="{205ED3D1-AACB-40CD-BED6-AEC7B6528EC2}" dt="2021-10-25T17:02:49.424" v="453"/>
+        <pc:chgData name="Judson Santiago" userId="ebb108da2f256286" providerId="LiveId" clId="{205ED3D1-AACB-40CD-BED6-AEC7B6528EC2}" dt="2021-10-26T13:30:39.226" v="524" actId="1366"/>
         <pc:sldMkLst>
           <pc:docMk/>
           <pc:sldMk cId="210981869" sldId="336"/>
@@ -258,7 +259,7 @@
           </ac:picMkLst>
         </pc:picChg>
         <pc:picChg chg="mod">
-          <ac:chgData name="Judson Santiago" userId="ebb108da2f256286" providerId="LiveId" clId="{205ED3D1-AACB-40CD-BED6-AEC7B6528EC2}" dt="2021-10-25T17:00:02.736" v="446" actId="164"/>
+          <ac:chgData name="Judson Santiago" userId="ebb108da2f256286" providerId="LiveId" clId="{205ED3D1-AACB-40CD-BED6-AEC7B6528EC2}" dt="2021-10-26T13:30:39.226" v="524" actId="1366"/>
           <ac:picMkLst>
             <pc:docMk/>
             <pc:sldMk cId="210981869" sldId="336"/>
@@ -267,7 +268,7 @@
         </pc:picChg>
       </pc:sldChg>
       <pc:sldChg chg="addSp modSp mod modTransition">
-        <pc:chgData name="Judson Santiago" userId="ebb108da2f256286" providerId="LiveId" clId="{205ED3D1-AACB-40CD-BED6-AEC7B6528EC2}" dt="2021-10-25T17:02:49.424" v="453"/>
+        <pc:chgData name="Judson Santiago" userId="ebb108da2f256286" providerId="LiveId" clId="{205ED3D1-AACB-40CD-BED6-AEC7B6528EC2}" dt="2021-10-26T13:30:11.061" v="522" actId="1366"/>
         <pc:sldMkLst>
           <pc:docMk/>
           <pc:sldMk cId="2056540154" sldId="338"/>
@@ -321,7 +322,7 @@
           </ac:grpSpMkLst>
         </pc:grpChg>
         <pc:picChg chg="mod">
-          <ac:chgData name="Judson Santiago" userId="ebb108da2f256286" providerId="LiveId" clId="{205ED3D1-AACB-40CD-BED6-AEC7B6528EC2}" dt="2021-10-25T12:50:27.754" v="88" actId="164"/>
+          <ac:chgData name="Judson Santiago" userId="ebb108da2f256286" providerId="LiveId" clId="{205ED3D1-AACB-40CD-BED6-AEC7B6528EC2}" dt="2021-10-26T13:30:11.061" v="522" actId="1366"/>
           <ac:picMkLst>
             <pc:docMk/>
             <pc:sldMk cId="2056540154" sldId="338"/>
@@ -384,7 +385,7 @@
         </pc:spChg>
       </pc:sldChg>
       <pc:sldChg chg="modSp mod modTransition">
-        <pc:chgData name="Judson Santiago" userId="ebb108da2f256286" providerId="LiveId" clId="{205ED3D1-AACB-40CD-BED6-AEC7B6528EC2}" dt="2021-10-25T17:02:49.424" v="453"/>
+        <pc:chgData name="Judson Santiago" userId="ebb108da2f256286" providerId="LiveId" clId="{205ED3D1-AACB-40CD-BED6-AEC7B6528EC2}" dt="2021-10-26T13:30:27.459" v="523" actId="1366"/>
         <pc:sldMkLst>
           <pc:docMk/>
           <pc:sldMk cId="1714289473" sldId="342"/>
@@ -397,6 +398,14 @@
             <ac:spMk id="2" creationId="{00000000-0000-0000-0000-000000000000}"/>
           </ac:spMkLst>
         </pc:spChg>
+        <pc:picChg chg="mod">
+          <ac:chgData name="Judson Santiago" userId="ebb108da2f256286" providerId="LiveId" clId="{205ED3D1-AACB-40CD-BED6-AEC7B6528EC2}" dt="2021-10-26T13:30:27.459" v="523" actId="1366"/>
+          <ac:picMkLst>
+            <pc:docMk/>
+            <pc:sldMk cId="1714289473" sldId="342"/>
+            <ac:picMk id="6" creationId="{00000000-0000-0000-0000-000000000000}"/>
+          </ac:picMkLst>
+        </pc:picChg>
       </pc:sldChg>
       <pc:sldChg chg="addSp delSp modSp mod modTransition modNotesTx">
         <pc:chgData name="Judson Santiago" userId="ebb108da2f256286" providerId="LiveId" clId="{205ED3D1-AACB-40CD-BED6-AEC7B6528EC2}" dt="2021-10-25T17:14:53.594" v="514" actId="164"/>
@@ -1051,8 +1060,8 @@
           </ac:cxnSpMkLst>
         </pc:cxnChg>
       </pc:sldChg>
-      <pc:sldChg chg="addSp delSp modSp mod modTransition">
-        <pc:chgData name="Judson Santiago" userId="ebb108da2f256286" providerId="LiveId" clId="{205ED3D1-AACB-40CD-BED6-AEC7B6528EC2}" dt="2021-10-25T17:12:12.340" v="496" actId="1076"/>
+      <pc:sldChg chg="addSp delSp modSp mod modTransition modNotesTx">
+        <pc:chgData name="Judson Santiago" userId="ebb108da2f256286" providerId="LiveId" clId="{205ED3D1-AACB-40CD-BED6-AEC7B6528EC2}" dt="2021-10-26T14:26:10.675" v="937" actId="20577"/>
         <pc:sldMkLst>
           <pc:docMk/>
           <pc:sldMk cId="3455427496" sldId="346"/>
@@ -1352,6 +1361,261 @@
             <ac:spMk id="3" creationId="{7F22A14F-D42E-4F59-B92E-02547BF53983}"/>
           </ac:spMkLst>
         </pc:spChg>
+      </pc:sldChg>
+      <pc:sldChg chg="addSp delSp modSp new mod modNotesTx">
+        <pc:chgData name="Judson Santiago" userId="ebb108da2f256286" providerId="LiveId" clId="{205ED3D1-AACB-40CD-BED6-AEC7B6528EC2}" dt="2021-10-26T14:28:07.453" v="961" actId="1076"/>
+        <pc:sldMkLst>
+          <pc:docMk/>
+          <pc:sldMk cId="4064369692" sldId="348"/>
+        </pc:sldMkLst>
+        <pc:spChg chg="mod">
+          <ac:chgData name="Judson Santiago" userId="ebb108da2f256286" providerId="LiveId" clId="{205ED3D1-AACB-40CD-BED6-AEC7B6528EC2}" dt="2021-10-26T13:32:39.420" v="598" actId="1076"/>
+          <ac:spMkLst>
+            <pc:docMk/>
+            <pc:sldMk cId="4064369692" sldId="348"/>
+            <ac:spMk id="2" creationId="{FCA6DC67-DE4F-4FBD-8A91-E4EF5FCFEB4B}"/>
+          </ac:spMkLst>
+        </pc:spChg>
+        <pc:spChg chg="mod">
+          <ac:chgData name="Judson Santiago" userId="ebb108da2f256286" providerId="LiveId" clId="{205ED3D1-AACB-40CD-BED6-AEC7B6528EC2}" dt="2021-10-26T14:07:19.183" v="725" actId="313"/>
+          <ac:spMkLst>
+            <pc:docMk/>
+            <pc:sldMk cId="4064369692" sldId="348"/>
+            <ac:spMk id="3" creationId="{F07B2032-487F-4A4B-A811-BBFFE62CBAAF}"/>
+          </ac:spMkLst>
+        </pc:spChg>
+        <pc:spChg chg="add del mod">
+          <ac:chgData name="Judson Santiago" userId="ebb108da2f256286" providerId="LiveId" clId="{205ED3D1-AACB-40CD-BED6-AEC7B6528EC2}" dt="2021-10-26T13:32:54.548" v="602" actId="478"/>
+          <ac:spMkLst>
+            <pc:docMk/>
+            <pc:sldMk cId="4064369692" sldId="348"/>
+            <ac:spMk id="4" creationId="{7C790559-3BC3-4DC2-AF01-158C490E360B}"/>
+          </ac:spMkLst>
+        </pc:spChg>
+        <pc:spChg chg="add mod topLvl">
+          <ac:chgData name="Judson Santiago" userId="ebb108da2f256286" providerId="LiveId" clId="{205ED3D1-AACB-40CD-BED6-AEC7B6528EC2}" dt="2021-10-26T14:20:53.441" v="868" actId="165"/>
+          <ac:spMkLst>
+            <pc:docMk/>
+            <pc:sldMk cId="4064369692" sldId="348"/>
+            <ac:spMk id="5" creationId="{597BBCEE-D140-4C28-8D5C-7DB9EF8F9946}"/>
+          </ac:spMkLst>
+        </pc:spChg>
+        <pc:spChg chg="mod topLvl">
+          <ac:chgData name="Judson Santiago" userId="ebb108da2f256286" providerId="LiveId" clId="{205ED3D1-AACB-40CD-BED6-AEC7B6528EC2}" dt="2021-10-26T14:20:53.441" v="868" actId="165"/>
+          <ac:spMkLst>
+            <pc:docMk/>
+            <pc:sldMk cId="4064369692" sldId="348"/>
+            <ac:spMk id="8" creationId="{5F3F2A3B-D072-48A6-B715-A3670F3CC863}"/>
+          </ac:spMkLst>
+        </pc:spChg>
+        <pc:spChg chg="del mod topLvl">
+          <ac:chgData name="Judson Santiago" userId="ebb108da2f256286" providerId="LiveId" clId="{205ED3D1-AACB-40CD-BED6-AEC7B6528EC2}" dt="2021-10-26T13:33:03.379" v="605" actId="478"/>
+          <ac:spMkLst>
+            <pc:docMk/>
+            <pc:sldMk cId="4064369692" sldId="348"/>
+            <ac:spMk id="9" creationId="{DA18487B-EC76-4A39-8BEA-5DF5E32A7552}"/>
+          </ac:spMkLst>
+        </pc:spChg>
+        <pc:spChg chg="add mod ord topLvl">
+          <ac:chgData name="Judson Santiago" userId="ebb108da2f256286" providerId="LiveId" clId="{205ED3D1-AACB-40CD-BED6-AEC7B6528EC2}" dt="2021-10-26T14:20:53.441" v="868" actId="165"/>
+          <ac:spMkLst>
+            <pc:docMk/>
+            <pc:sldMk cId="4064369692" sldId="348"/>
+            <ac:spMk id="11" creationId="{BC02A153-9F11-483E-9B48-BB7C7DC62026}"/>
+          </ac:spMkLst>
+        </pc:spChg>
+        <pc:spChg chg="add mod ord topLvl">
+          <ac:chgData name="Judson Santiago" userId="ebb108da2f256286" providerId="LiveId" clId="{205ED3D1-AACB-40CD-BED6-AEC7B6528EC2}" dt="2021-10-26T14:20:53.441" v="868" actId="165"/>
+          <ac:spMkLst>
+            <pc:docMk/>
+            <pc:sldMk cId="4064369692" sldId="348"/>
+            <ac:spMk id="12" creationId="{D0108959-B2D0-4BFD-9805-219F98A70E84}"/>
+          </ac:spMkLst>
+        </pc:spChg>
+        <pc:spChg chg="add mod topLvl">
+          <ac:chgData name="Judson Santiago" userId="ebb108da2f256286" providerId="LiveId" clId="{205ED3D1-AACB-40CD-BED6-AEC7B6528EC2}" dt="2021-10-26T14:20:53.441" v="868" actId="165"/>
+          <ac:spMkLst>
+            <pc:docMk/>
+            <pc:sldMk cId="4064369692" sldId="348"/>
+            <ac:spMk id="23" creationId="{DA1D8306-87DB-4699-958B-962CD76D991E}"/>
+          </ac:spMkLst>
+        </pc:spChg>
+        <pc:spChg chg="add mod topLvl">
+          <ac:chgData name="Judson Santiago" userId="ebb108da2f256286" providerId="LiveId" clId="{205ED3D1-AACB-40CD-BED6-AEC7B6528EC2}" dt="2021-10-26T14:20:53.441" v="868" actId="165"/>
+          <ac:spMkLst>
+            <pc:docMk/>
+            <pc:sldMk cId="4064369692" sldId="348"/>
+            <ac:spMk id="24" creationId="{C0CADB50-B4CC-42A6-9DE0-47C48BCF22CD}"/>
+          </ac:spMkLst>
+        </pc:spChg>
+        <pc:spChg chg="add mod topLvl">
+          <ac:chgData name="Judson Santiago" userId="ebb108da2f256286" providerId="LiveId" clId="{205ED3D1-AACB-40CD-BED6-AEC7B6528EC2}" dt="2021-10-26T14:22:11.844" v="887" actId="207"/>
+          <ac:spMkLst>
+            <pc:docMk/>
+            <pc:sldMk cId="4064369692" sldId="348"/>
+            <ac:spMk id="34" creationId="{419FE553-89BF-4F44-A60F-3933FC8EE191}"/>
+          </ac:spMkLst>
+        </pc:spChg>
+        <pc:spChg chg="add mod topLvl">
+          <ac:chgData name="Judson Santiago" userId="ebb108da2f256286" providerId="LiveId" clId="{205ED3D1-AACB-40CD-BED6-AEC7B6528EC2}" dt="2021-10-26T14:22:11.844" v="887" actId="207"/>
+          <ac:spMkLst>
+            <pc:docMk/>
+            <pc:sldMk cId="4064369692" sldId="348"/>
+            <ac:spMk id="35" creationId="{6BB2A446-0F0A-4E71-8402-A8B24097CC33}"/>
+          </ac:spMkLst>
+        </pc:spChg>
+        <pc:spChg chg="add mod">
+          <ac:chgData name="Judson Santiago" userId="ebb108da2f256286" providerId="LiveId" clId="{205ED3D1-AACB-40CD-BED6-AEC7B6528EC2}" dt="2021-10-26T14:20:07.227" v="863" actId="1076"/>
+          <ac:spMkLst>
+            <pc:docMk/>
+            <pc:sldMk cId="4064369692" sldId="348"/>
+            <ac:spMk id="37" creationId="{D4A343C2-E60D-4303-BA80-476775A26714}"/>
+          </ac:spMkLst>
+        </pc:spChg>
+        <pc:spChg chg="add mod">
+          <ac:chgData name="Judson Santiago" userId="ebb108da2f256286" providerId="LiveId" clId="{205ED3D1-AACB-40CD-BED6-AEC7B6528EC2}" dt="2021-10-26T14:23:04.968" v="898" actId="1076"/>
+          <ac:spMkLst>
+            <pc:docMk/>
+            <pc:sldMk cId="4064369692" sldId="348"/>
+            <ac:spMk id="46" creationId="{21B5B9FF-A247-431F-B19E-AC66626AE96E}"/>
+          </ac:spMkLst>
+        </pc:spChg>
+        <pc:spChg chg="add mod">
+          <ac:chgData name="Judson Santiago" userId="ebb108da2f256286" providerId="LiveId" clId="{205ED3D1-AACB-40CD-BED6-AEC7B6528EC2}" dt="2021-10-26T14:23:16.601" v="902" actId="20577"/>
+          <ac:spMkLst>
+            <pc:docMk/>
+            <pc:sldMk cId="4064369692" sldId="348"/>
+            <ac:spMk id="50" creationId="{1EF517F5-9D68-446C-8002-F3B98562D38C}"/>
+          </ac:spMkLst>
+        </pc:spChg>
+        <pc:spChg chg="mod">
+          <ac:chgData name="Judson Santiago" userId="ebb108da2f256286" providerId="LiveId" clId="{205ED3D1-AACB-40CD-BED6-AEC7B6528EC2}" dt="2021-10-26T14:26:02.831" v="927"/>
+          <ac:spMkLst>
+            <pc:docMk/>
+            <pc:sldMk cId="4064369692" sldId="348"/>
+            <ac:spMk id="54" creationId="{B2389B33-3B65-42E7-9C17-F63BA40F26C3}"/>
+          </ac:spMkLst>
+        </pc:spChg>
+        <pc:spChg chg="mod">
+          <ac:chgData name="Judson Santiago" userId="ebb108da2f256286" providerId="LiveId" clId="{205ED3D1-AACB-40CD-BED6-AEC7B6528EC2}" dt="2021-10-26T14:26:02.831" v="927"/>
+          <ac:spMkLst>
+            <pc:docMk/>
+            <pc:sldMk cId="4064369692" sldId="348"/>
+            <ac:spMk id="55" creationId="{3150D93C-2AC0-459B-8A0C-A486B7A3DD28}"/>
+          </ac:spMkLst>
+        </pc:spChg>
+        <pc:spChg chg="add mod">
+          <ac:chgData name="Judson Santiago" userId="ebb108da2f256286" providerId="LiveId" clId="{205ED3D1-AACB-40CD-BED6-AEC7B6528EC2}" dt="2021-10-26T14:28:04.881" v="960" actId="1076"/>
+          <ac:spMkLst>
+            <pc:docMk/>
+            <pc:sldMk cId="4064369692" sldId="348"/>
+            <ac:spMk id="56" creationId="{EF3DCBE8-5478-4DBB-9D85-32F440AE6960}"/>
+          </ac:spMkLst>
+        </pc:spChg>
+        <pc:spChg chg="add mod">
+          <ac:chgData name="Judson Santiago" userId="ebb108da2f256286" providerId="LiveId" clId="{205ED3D1-AACB-40CD-BED6-AEC7B6528EC2}" dt="2021-10-26T14:28:07.453" v="961" actId="1076"/>
+          <ac:spMkLst>
+            <pc:docMk/>
+            <pc:sldMk cId="4064369692" sldId="348"/>
+            <ac:spMk id="57" creationId="{40B8A198-54A4-4435-A699-46638005D492}"/>
+          </ac:spMkLst>
+        </pc:spChg>
+        <pc:grpChg chg="add del mod">
+          <ac:chgData name="Judson Santiago" userId="ebb108da2f256286" providerId="LiveId" clId="{205ED3D1-AACB-40CD-BED6-AEC7B6528EC2}" dt="2021-10-26T13:33:01.244" v="604" actId="165"/>
+          <ac:grpSpMkLst>
+            <pc:docMk/>
+            <pc:sldMk cId="4064369692" sldId="348"/>
+            <ac:grpSpMk id="6" creationId="{54038366-23DB-44B2-BB05-1F00FA68AF1E}"/>
+          </ac:grpSpMkLst>
+        </pc:grpChg>
+        <pc:grpChg chg="add del mod topLvl">
+          <ac:chgData name="Judson Santiago" userId="ebb108da2f256286" providerId="LiveId" clId="{205ED3D1-AACB-40CD-BED6-AEC7B6528EC2}" dt="2021-10-26T14:14:21.445" v="827" actId="165"/>
+          <ac:grpSpMkLst>
+            <pc:docMk/>
+            <pc:sldMk cId="4064369692" sldId="348"/>
+            <ac:grpSpMk id="10" creationId="{4EF957BF-7517-4E8C-8BD8-7201E4E16880}"/>
+          </ac:grpSpMkLst>
+        </pc:grpChg>
+        <pc:grpChg chg="add del mod">
+          <ac:chgData name="Judson Santiago" userId="ebb108da2f256286" providerId="LiveId" clId="{205ED3D1-AACB-40CD-BED6-AEC7B6528EC2}" dt="2021-10-26T14:14:17.151" v="826" actId="165"/>
+          <ac:grpSpMkLst>
+            <pc:docMk/>
+            <pc:sldMk cId="4064369692" sldId="348"/>
+            <ac:grpSpMk id="38" creationId="{2B3B439E-B379-4654-98C0-C06AC6D4EAE7}"/>
+          </ac:grpSpMkLst>
+        </pc:grpChg>
+        <pc:grpChg chg="add del mod">
+          <ac:chgData name="Judson Santiago" userId="ebb108da2f256286" providerId="LiveId" clId="{205ED3D1-AACB-40CD-BED6-AEC7B6528EC2}" dt="2021-10-26T14:20:53.441" v="868" actId="165"/>
+          <ac:grpSpMkLst>
+            <pc:docMk/>
+            <pc:sldMk cId="4064369692" sldId="348"/>
+            <ac:grpSpMk id="39" creationId="{341A7745-BB74-4354-A10E-2874A6D3A8CD}"/>
+          </ac:grpSpMkLst>
+        </pc:grpChg>
+        <pc:grpChg chg="add mod">
+          <ac:chgData name="Judson Santiago" userId="ebb108da2f256286" providerId="LiveId" clId="{205ED3D1-AACB-40CD-BED6-AEC7B6528EC2}" dt="2021-10-26T14:26:02.831" v="927"/>
+          <ac:grpSpMkLst>
+            <pc:docMk/>
+            <pc:sldMk cId="4064369692" sldId="348"/>
+            <ac:grpSpMk id="53" creationId="{EDDFE328-3C63-4D8A-B24B-3C29F224136F}"/>
+          </ac:grpSpMkLst>
+        </pc:grpChg>
+        <pc:picChg chg="del mod topLvl">
+          <ac:chgData name="Judson Santiago" userId="ebb108da2f256286" providerId="LiveId" clId="{205ED3D1-AACB-40CD-BED6-AEC7B6528EC2}" dt="2021-10-26T13:33:05.504" v="607" actId="478"/>
+          <ac:picMkLst>
+            <pc:docMk/>
+            <pc:sldMk cId="4064369692" sldId="348"/>
+            <ac:picMk id="7" creationId="{DB08C67F-431D-46A5-B9C6-9B6E645CA18C}"/>
+          </ac:picMkLst>
+        </pc:picChg>
+        <pc:cxnChg chg="add mod topLvl">
+          <ac:chgData name="Judson Santiago" userId="ebb108da2f256286" providerId="LiveId" clId="{205ED3D1-AACB-40CD-BED6-AEC7B6528EC2}" dt="2021-10-26T14:24:27.292" v="925" actId="14100"/>
+          <ac:cxnSpMkLst>
+            <pc:docMk/>
+            <pc:sldMk cId="4064369692" sldId="348"/>
+            <ac:cxnSpMk id="14" creationId="{4BD2E0EA-2C12-4F0F-A1F3-97EC8DD4A4DB}"/>
+          </ac:cxnSpMkLst>
+        </pc:cxnChg>
+        <pc:cxnChg chg="add mod topLvl">
+          <ac:chgData name="Judson Santiago" userId="ebb108da2f256286" providerId="LiveId" clId="{205ED3D1-AACB-40CD-BED6-AEC7B6528EC2}" dt="2021-10-26T14:20:53.441" v="868" actId="165"/>
+          <ac:cxnSpMkLst>
+            <pc:docMk/>
+            <pc:sldMk cId="4064369692" sldId="348"/>
+            <ac:cxnSpMk id="20" creationId="{F744D71D-D7C5-4B7B-83CC-9D0B5C953486}"/>
+          </ac:cxnSpMkLst>
+        </pc:cxnChg>
+        <pc:cxnChg chg="add mod ord topLvl">
+          <ac:chgData name="Judson Santiago" userId="ebb108da2f256286" providerId="LiveId" clId="{205ED3D1-AACB-40CD-BED6-AEC7B6528EC2}" dt="2021-10-26T14:24:24.292" v="917" actId="1036"/>
+          <ac:cxnSpMkLst>
+            <pc:docMk/>
+            <pc:sldMk cId="4064369692" sldId="348"/>
+            <ac:cxnSpMk id="25" creationId="{7B5314F0-7F8E-4A09-97D1-EB5430649A9C}"/>
+          </ac:cxnSpMkLst>
+        </pc:cxnChg>
+        <pc:cxnChg chg="add mod ord topLvl">
+          <ac:chgData name="Judson Santiago" userId="ebb108da2f256286" providerId="LiveId" clId="{205ED3D1-AACB-40CD-BED6-AEC7B6528EC2}" dt="2021-10-26T14:24:26.120" v="923" actId="1076"/>
+          <ac:cxnSpMkLst>
+            <pc:docMk/>
+            <pc:sldMk cId="4064369692" sldId="348"/>
+            <ac:cxnSpMk id="29" creationId="{9F62D20D-AD1F-4607-85A4-1A66F17720E8}"/>
+          </ac:cxnSpMkLst>
+        </pc:cxnChg>
+        <pc:cxnChg chg="add mod">
+          <ac:chgData name="Judson Santiago" userId="ebb108da2f256286" providerId="LiveId" clId="{205ED3D1-AACB-40CD-BED6-AEC7B6528EC2}" dt="2021-10-26T14:23:00.294" v="897" actId="14100"/>
+          <ac:cxnSpMkLst>
+            <pc:docMk/>
+            <pc:sldMk cId="4064369692" sldId="348"/>
+            <ac:cxnSpMk id="40" creationId="{1C8B5C30-74C5-47A0-B671-9D867C704004}"/>
+          </ac:cxnSpMkLst>
+        </pc:cxnChg>
+        <pc:cxnChg chg="add mod">
+          <ac:chgData name="Judson Santiago" userId="ebb108da2f256286" providerId="LiveId" clId="{205ED3D1-AACB-40CD-BED6-AEC7B6528EC2}" dt="2021-10-26T14:23:08.818" v="899" actId="14100"/>
+          <ac:cxnSpMkLst>
+            <pc:docMk/>
+            <pc:sldMk cId="4064369692" sldId="348"/>
+            <ac:cxnSpMk id="42" creationId="{895A342A-A6F8-435F-B6B3-9AAD2BF5B3BB}"/>
+          </ac:cxnSpMkLst>
+        </pc:cxnChg>
       </pc:sldChg>
       <pc:sldMasterChg chg="addSp delSp modSp mod modSldLayout">
         <pc:chgData name="Judson Santiago" userId="ebb108da2f256286" providerId="LiveId" clId="{205ED3D1-AACB-40CD-BED6-AEC7B6528EC2}" dt="2021-10-25T17:03:31.038" v="454" actId="21"/>
@@ -3140,7 +3404,7 @@
             <a:fld id="{4C457FC9-8E1D-4A40-BFF1-0E630693B1AB}" type="datetimeFigureOut">
               <a:rPr lang="pt-BR" smtClean="0"/>
               <a:pPr/>
-              <a:t>25/10/2021</a:t>
+              <a:t>26/10/2021</a:t>
             </a:fld>
             <a:endParaRPr lang="pt-BR"/>
           </a:p>
@@ -4054,7 +4318,7 @@
                   <a:schemeClr val="bg1"/>
                 </a:solidFill>
               </a:rPr>
-              <a:t>Asteroids</a:t>
+              <a:t>CollisionT</a:t>
             </a:r>
             <a:r>
               <a:rPr lang="pt-BR" sz="1200" b="1" dirty="0">
@@ -4100,6 +4364,139 @@
     <p:extLst>
       <p:ext uri="{BB962C8B-B14F-4D97-AF65-F5344CB8AC3E}">
         <p14:creationId xmlns:p14="http://schemas.microsoft.com/office/powerpoint/2010/main" val="4087788003"/>
+      </p:ext>
+    </p:extLst>
+  </p:cSld>
+  <p:clrMapOvr>
+    <a:masterClrMapping/>
+  </p:clrMapOvr>
+</p:notes>
+</file>
+
+<file path=ppt/notesSlides/notesSlide7.xml><?xml version="1.0" encoding="utf-8"?>
+<p:notes xmlns:a="http://schemas.openxmlformats.org/drawingml/2006/main" xmlns:r="http://schemas.openxmlformats.org/officeDocument/2006/relationships" xmlns:p="http://schemas.openxmlformats.org/presentationml/2006/main">
+  <p:cSld>
+    <p:spTree>
+      <p:nvGrpSpPr>
+        <p:cNvPr id="1" name=""/>
+        <p:cNvGrpSpPr/>
+        <p:nvPr/>
+      </p:nvGrpSpPr>
+      <p:grpSpPr>
+        <a:xfrm>
+          <a:off x="0" y="0"/>
+          <a:ext cx="0" cy="0"/>
+          <a:chOff x="0" y="0"/>
+          <a:chExt cx="0" cy="0"/>
+        </a:xfrm>
+      </p:grpSpPr>
+      <p:sp>
+        <p:nvSpPr>
+          <p:cNvPr id="2" name="Espaço Reservado para Imagem de Slide 1"/>
+          <p:cNvSpPr>
+            <a:spLocks noGrp="1" noRot="1" noChangeAspect="1"/>
+          </p:cNvSpPr>
+          <p:nvPr>
+            <p:ph type="sldImg"/>
+          </p:nvPr>
+        </p:nvSpPr>
+        <p:spPr/>
+      </p:sp>
+      <p:sp>
+        <p:nvSpPr>
+          <p:cNvPr id="3" name="Espaço Reservado para Anotações 2"/>
+          <p:cNvSpPr>
+            <a:spLocks noGrp="1"/>
+          </p:cNvSpPr>
+          <p:nvPr>
+            <p:ph type="body" idx="1"/>
+          </p:nvPr>
+        </p:nvSpPr>
+        <p:spPr/>
+        <p:txBody>
+          <a:bodyPr/>
+          <a:lstStyle/>
+          <a:p>
+            <a:pPr marL="0" marR="0" lvl="0" indent="0" algn="l" defTabSz="914400" rtl="0" eaLnBrk="1" fontAlgn="auto" latinLnBrk="0" hangingPunct="1">
+              <a:lnSpc>
+                <a:spcPct val="100000"/>
+              </a:lnSpc>
+              <a:spcBef>
+                <a:spcPts val="0"/>
+              </a:spcBef>
+              <a:spcAft>
+                <a:spcPts val="0"/>
+              </a:spcAft>
+              <a:buClrTx/>
+              <a:buSzTx/>
+              <a:buFontTx/>
+              <a:buNone/>
+              <a:tabLst/>
+              <a:defRPr/>
+            </a:pPr>
+            <a:r>
+              <a:rPr lang="pt-BR" sz="1200" dirty="0">
+                <a:solidFill>
+                  <a:schemeClr val="bg1"/>
+                </a:solidFill>
+              </a:rPr>
+              <a:t>» Mostrar tratamento da colisão no projeto </a:t>
+            </a:r>
+            <a:r>
+              <a:rPr lang="pt-BR" sz="1200" b="1" dirty="0" err="1">
+                <a:solidFill>
+                  <a:schemeClr val="bg1"/>
+                </a:solidFill>
+              </a:rPr>
+              <a:t>Asteroids</a:t>
+            </a:r>
+            <a:r>
+              <a:rPr lang="pt-BR" sz="1200" b="1" dirty="0">
+                <a:solidFill>
+                  <a:schemeClr val="bg1"/>
+                </a:solidFill>
+              </a:rPr>
+              <a:t> </a:t>
+            </a:r>
+            <a:r>
+              <a:rPr lang="pt-BR" dirty="0"/>
+              <a:t>do material de apoio.</a:t>
+            </a:r>
+            <a:endParaRPr lang="pt-BR" b="1" dirty="0"/>
+          </a:p>
+          <a:p>
+            <a:endParaRPr lang="pt-BR" dirty="0"/>
+          </a:p>
+        </p:txBody>
+      </p:sp>
+      <p:sp>
+        <p:nvSpPr>
+          <p:cNvPr id="4" name="Espaço Reservado para Número de Slide 3"/>
+          <p:cNvSpPr>
+            <a:spLocks noGrp="1"/>
+          </p:cNvSpPr>
+          <p:nvPr>
+            <p:ph type="sldNum" sz="quarter" idx="5"/>
+          </p:nvPr>
+        </p:nvSpPr>
+        <p:spPr/>
+        <p:txBody>
+          <a:bodyPr/>
+          <a:lstStyle/>
+          <a:p>
+            <a:fld id="{EF334A8D-C5BE-432D-90D0-92D67DD437AB}" type="slidenum">
+              <a:rPr lang="pt-BR" smtClean="0"/>
+              <a:pPr/>
+              <a:t>12</a:t>
+            </a:fld>
+            <a:endParaRPr lang="pt-BR"/>
+          </a:p>
+        </p:txBody>
+      </p:sp>
+    </p:spTree>
+    <p:extLst>
+      <p:ext uri="{BB962C8B-B14F-4D97-AF65-F5344CB8AC3E}">
+        <p14:creationId xmlns:p14="http://schemas.microsoft.com/office/powerpoint/2010/main" val="1913244202"/>
       </p:ext>
     </p:extLst>
   </p:cSld>
@@ -5044,7 +5441,7 @@
             <a:fld id="{B41ABA4E-CD72-497B-97AA-7213B3980F60}" type="datetimeFigureOut">
               <a:rPr lang="en-US" smtClean="0"/>
               <a:pPr/>
-              <a:t>10/25/2021</a:t>
+              <a:t>10/26/2021</a:t>
             </a:fld>
             <a:endParaRPr lang="en-US" dirty="0"/>
           </a:p>
@@ -5221,7 +5618,7 @@
             <a:fld id="{B41ABA4E-CD72-497B-97AA-7213B3980F60}" type="datetimeFigureOut">
               <a:rPr lang="en-US" smtClean="0"/>
               <a:pPr/>
-              <a:t>10/25/2021</a:t>
+              <a:t>10/26/2021</a:t>
             </a:fld>
             <a:endParaRPr lang="en-US" dirty="0"/>
           </a:p>
@@ -5417,7 +5814,7 @@
             <a:fld id="{B41ABA4E-CD72-497B-97AA-7213B3980F60}" type="datetimeFigureOut">
               <a:rPr lang="en-US" smtClean="0"/>
               <a:pPr/>
-              <a:t>10/25/2021</a:t>
+              <a:t>10/26/2021</a:t>
             </a:fld>
             <a:endParaRPr lang="en-US" dirty="0"/>
           </a:p>
@@ -5678,7 +6075,7 @@
             <a:fld id="{B41ABA4E-CD72-497B-97AA-7213B3980F60}" type="datetimeFigureOut">
               <a:rPr lang="en-US" smtClean="0"/>
               <a:pPr/>
-              <a:t>10/25/2021</a:t>
+              <a:t>10/26/2021</a:t>
             </a:fld>
             <a:endParaRPr lang="en-US" dirty="0"/>
           </a:p>
@@ -6079,7 +6476,7 @@
             <a:fld id="{B41ABA4E-CD72-497B-97AA-7213B3980F60}" type="datetimeFigureOut">
               <a:rPr lang="en-US" smtClean="0"/>
               <a:pPr/>
-              <a:t>10/25/2021</a:t>
+              <a:t>10/26/2021</a:t>
             </a:fld>
             <a:endParaRPr lang="en-US" dirty="0"/>
           </a:p>
@@ -6519,7 +6916,7 @@
             <a:fld id="{B41ABA4E-CD72-497B-97AA-7213B3980F60}" type="datetimeFigureOut">
               <a:rPr lang="en-US" smtClean="0"/>
               <a:pPr/>
-              <a:t>10/25/2021</a:t>
+              <a:t>10/26/2021</a:t>
             </a:fld>
             <a:endParaRPr lang="en-US" dirty="0"/>
           </a:p>
@@ -6616,7 +7013,7 @@
             <a:fld id="{B41ABA4E-CD72-497B-97AA-7213B3980F60}" type="datetimeFigureOut">
               <a:rPr lang="en-US" smtClean="0"/>
               <a:pPr/>
-              <a:t>10/25/2021</a:t>
+              <a:t>10/26/2021</a:t>
             </a:fld>
             <a:endParaRPr lang="en-US" dirty="0"/>
           </a:p>
@@ -6731,7 +7128,7 @@
             <a:fld id="{B41ABA4E-CD72-497B-97AA-7213B3980F60}" type="datetimeFigureOut">
               <a:rPr lang="en-US" smtClean="0"/>
               <a:pPr/>
-              <a:t>10/25/2021</a:t>
+              <a:t>10/26/2021</a:t>
             </a:fld>
             <a:endParaRPr lang="en-US" dirty="0"/>
           </a:p>
@@ -7001,7 +7398,7 @@
             <a:fld id="{B41ABA4E-CD72-497B-97AA-7213B3980F60}" type="datetimeFigureOut">
               <a:rPr lang="en-US" smtClean="0"/>
               <a:pPr/>
-              <a:t>10/25/2021</a:t>
+              <a:t>10/26/2021</a:t>
             </a:fld>
             <a:endParaRPr lang="en-US" dirty="0"/>
           </a:p>
@@ -7204,7 +7601,7 @@
             <a:fld id="{B41ABA4E-CD72-497B-97AA-7213B3980F60}" type="datetimeFigureOut">
               <a:rPr lang="en-US" smtClean="0"/>
               <a:pPr/>
-              <a:t>10/25/2021</a:t>
+              <a:t>10/26/2021</a:t>
             </a:fld>
             <a:endParaRPr lang="en-US" dirty="0"/>
           </a:p>
@@ -8399,7 +8796,7 @@
             <a:fld id="{B41ABA4E-CD72-497B-97AA-7213B3980F60}" type="datetimeFigureOut">
               <a:rPr lang="en-US" smtClean="0"/>
               <a:pPr/>
-              <a:t>10/25/2021</a:t>
+              <a:t>10/26/2021</a:t>
             </a:fld>
             <a:endParaRPr lang="en-US" dirty="0"/>
           </a:p>
@@ -14380,8 +14777,8 @@
             </a:p>
           </p:txBody>
         </p:sp>
-        <mc:AlternateContent xmlns:mc="http://schemas.openxmlformats.org/markup-compatibility/2006">
-          <mc:Choice xmlns:a14="http://schemas.microsoft.com/office/drawing/2010/main" Requires="a14">
+        <mc:AlternateContent xmlns:mc="http://schemas.openxmlformats.org/markup-compatibility/2006" xmlns:a14="http://schemas.microsoft.com/office/drawing/2010/main">
+          <mc:Choice Requires="a14">
             <p:sp>
               <p:nvSpPr>
                 <p:cNvPr id="4" name="CaixaDeTexto 3"/>
@@ -14866,7 +15263,7 @@
               </p:txBody>
             </p:sp>
           </mc:Choice>
-          <mc:Fallback>
+          <mc:Fallback xmlns="">
             <p:sp>
               <p:nvSpPr>
                 <p:cNvPr id="4" name="CaixaDeTexto 3"/>
@@ -15266,6 +15663,2766 @@
       </p:grpSpPr>
       <p:sp>
         <p:nvSpPr>
+          <p:cNvPr id="2" name="Espaço Reservado para Conteúdo 1">
+            <a:extLst>
+              <a:ext uri="{FF2B5EF4-FFF2-40B4-BE49-F238E27FC236}">
+                <a16:creationId xmlns:a16="http://schemas.microsoft.com/office/drawing/2014/main" id="{FCA6DC67-DE4F-4FBD-8A91-E4EF5FCFEB4B}"/>
+              </a:ext>
+            </a:extLst>
+          </p:cNvPr>
+          <p:cNvSpPr>
+            <a:spLocks noGrp="1"/>
+          </p:cNvSpPr>
+          <p:nvPr>
+            <p:ph idx="1"/>
+          </p:nvPr>
+        </p:nvSpPr>
+        <p:spPr/>
+        <p:txBody>
+          <a:bodyPr/>
+          <a:lstStyle/>
+          <a:p>
+            <a:r>
+              <a:rPr lang="pt-BR" dirty="0"/>
+              <a:t>Resolução da colisão</a:t>
+            </a:r>
+          </a:p>
+        </p:txBody>
+      </p:sp>
+      <p:sp>
+        <p:nvSpPr>
+          <p:cNvPr id="3" name="Título 2">
+            <a:extLst>
+              <a:ext uri="{FF2B5EF4-FFF2-40B4-BE49-F238E27FC236}">
+                <a16:creationId xmlns:a16="http://schemas.microsoft.com/office/drawing/2014/main" id="{F07B2032-487F-4A4B-A811-BBFFE62CBAAF}"/>
+              </a:ext>
+            </a:extLst>
+          </p:cNvPr>
+          <p:cNvSpPr>
+            <a:spLocks noGrp="1"/>
+          </p:cNvSpPr>
+          <p:nvPr>
+            <p:ph type="title"/>
+          </p:nvPr>
+        </p:nvSpPr>
+        <p:spPr/>
+        <p:txBody>
+          <a:bodyPr/>
+          <a:lstStyle/>
+          <a:p>
+            <a:r>
+              <a:rPr lang="pt-BR" dirty="0"/>
+              <a:t>Asteroides</a:t>
+            </a:r>
+          </a:p>
+        </p:txBody>
+      </p:sp>
+      <p:sp>
+        <p:nvSpPr>
+          <p:cNvPr id="37" name="CaixaDeTexto 36">
+            <a:extLst>
+              <a:ext uri="{FF2B5EF4-FFF2-40B4-BE49-F238E27FC236}">
+                <a16:creationId xmlns:a16="http://schemas.microsoft.com/office/drawing/2014/main" id="{D4A343C2-E60D-4303-BA80-476775A26714}"/>
+              </a:ext>
+            </a:extLst>
+          </p:cNvPr>
+          <p:cNvSpPr txBox="1"/>
+          <p:nvPr/>
+        </p:nvSpPr>
+        <p:spPr>
+          <a:xfrm>
+            <a:off x="5013071" y="2082316"/>
+            <a:ext cx="6091619" cy="3323987"/>
+          </a:xfrm>
+          <a:prstGeom prst="rect">
+            <a:avLst/>
+          </a:prstGeom>
+          <a:noFill/>
+        </p:spPr>
+        <p:txBody>
+          <a:bodyPr wrap="square">
+            <a:spAutoFit/>
+          </a:bodyPr>
+          <a:lstStyle/>
+          <a:p>
+            <a:r>
+              <a:rPr lang="pt-BR" sz="1400" dirty="0">
+                <a:solidFill>
+                  <a:schemeClr val="accent4">
+                    <a:lumMod val="75000"/>
+                  </a:schemeClr>
+                </a:solidFill>
+                <a:latin typeface="Consolas" panose="020B0609020204030204" pitchFamily="49" charset="0"/>
+              </a:rPr>
+              <a:t>// centros das rochas</a:t>
+            </a:r>
+          </a:p>
+          <a:p>
+            <a:r>
+              <a:rPr lang="pt-BR" sz="1400" dirty="0">
+                <a:solidFill>
+                  <a:schemeClr val="accent1">
+                    <a:lumMod val="75000"/>
+                  </a:schemeClr>
+                </a:solidFill>
+                <a:latin typeface="Consolas" panose="020B0609020204030204" pitchFamily="49" charset="0"/>
+              </a:rPr>
+              <a:t>Point</a:t>
+            </a:r>
+            <a:r>
+              <a:rPr lang="pt-BR" sz="1400" dirty="0">
+                <a:solidFill>
+                  <a:schemeClr val="bg1">
+                    <a:lumMod val="85000"/>
+                  </a:schemeClr>
+                </a:solidFill>
+                <a:latin typeface="Consolas" panose="020B0609020204030204" pitchFamily="49" charset="0"/>
+              </a:rPr>
+              <a:t> </a:t>
+            </a:r>
+            <a:r>
+              <a:rPr lang="pt-BR" sz="1400" dirty="0" err="1">
+                <a:solidFill>
+                  <a:schemeClr val="bg1">
+                    <a:lumMod val="85000"/>
+                  </a:schemeClr>
+                </a:solidFill>
+                <a:latin typeface="Consolas" panose="020B0609020204030204" pitchFamily="49" charset="0"/>
+              </a:rPr>
+              <a:t>pA</a:t>
+            </a:r>
+            <a:r>
+              <a:rPr lang="pt-BR" sz="1400" dirty="0">
+                <a:solidFill>
+                  <a:schemeClr val="bg1">
+                    <a:lumMod val="85000"/>
+                  </a:schemeClr>
+                </a:solidFill>
+                <a:latin typeface="Consolas" panose="020B0609020204030204" pitchFamily="49" charset="0"/>
+              </a:rPr>
+              <a:t> { </a:t>
+            </a:r>
+            <a:r>
+              <a:rPr lang="pt-BR" sz="1400" dirty="0" err="1">
+                <a:solidFill>
+                  <a:schemeClr val="bg1">
+                    <a:lumMod val="85000"/>
+                  </a:schemeClr>
+                </a:solidFill>
+                <a:latin typeface="Consolas" panose="020B0609020204030204" pitchFamily="49" charset="0"/>
+              </a:rPr>
+              <a:t>rockA</a:t>
+            </a:r>
+            <a:r>
+              <a:rPr lang="pt-BR" sz="1400" dirty="0">
+                <a:solidFill>
+                  <a:schemeClr val="bg1">
+                    <a:lumMod val="85000"/>
+                  </a:schemeClr>
+                </a:solidFill>
+                <a:latin typeface="Consolas" panose="020B0609020204030204" pitchFamily="49" charset="0"/>
+              </a:rPr>
+              <a:t>-&gt;</a:t>
+            </a:r>
+            <a:r>
+              <a:rPr lang="pt-BR" sz="1400" dirty="0">
+                <a:solidFill>
+                  <a:schemeClr val="accent1"/>
+                </a:solidFill>
+                <a:latin typeface="Consolas" panose="020B0609020204030204" pitchFamily="49" charset="0"/>
+              </a:rPr>
+              <a:t>X</a:t>
+            </a:r>
+            <a:r>
+              <a:rPr lang="pt-BR" sz="1400" dirty="0">
+                <a:solidFill>
+                  <a:schemeClr val="bg1">
+                    <a:lumMod val="85000"/>
+                  </a:schemeClr>
+                </a:solidFill>
+                <a:latin typeface="Consolas" panose="020B0609020204030204" pitchFamily="49" charset="0"/>
+              </a:rPr>
+              <a:t>(), </a:t>
+            </a:r>
+            <a:r>
+              <a:rPr lang="pt-BR" sz="1400" dirty="0" err="1">
+                <a:solidFill>
+                  <a:schemeClr val="bg1">
+                    <a:lumMod val="85000"/>
+                  </a:schemeClr>
+                </a:solidFill>
+                <a:latin typeface="Consolas" panose="020B0609020204030204" pitchFamily="49" charset="0"/>
+              </a:rPr>
+              <a:t>rockA</a:t>
+            </a:r>
+            <a:r>
+              <a:rPr lang="pt-BR" sz="1400" dirty="0">
+                <a:solidFill>
+                  <a:schemeClr val="bg1">
+                    <a:lumMod val="85000"/>
+                  </a:schemeClr>
+                </a:solidFill>
+                <a:latin typeface="Consolas" panose="020B0609020204030204" pitchFamily="49" charset="0"/>
+              </a:rPr>
+              <a:t>-&gt;</a:t>
+            </a:r>
+            <a:r>
+              <a:rPr lang="pt-BR" sz="1400" dirty="0">
+                <a:solidFill>
+                  <a:schemeClr val="accent1"/>
+                </a:solidFill>
+                <a:latin typeface="Consolas" panose="020B0609020204030204" pitchFamily="49" charset="0"/>
+              </a:rPr>
+              <a:t>Y</a:t>
+            </a:r>
+            <a:r>
+              <a:rPr lang="pt-BR" sz="1400" dirty="0">
+                <a:solidFill>
+                  <a:schemeClr val="bg1">
+                    <a:lumMod val="85000"/>
+                  </a:schemeClr>
+                </a:solidFill>
+                <a:latin typeface="Consolas" panose="020B0609020204030204" pitchFamily="49" charset="0"/>
+              </a:rPr>
+              <a:t>() };</a:t>
+            </a:r>
+          </a:p>
+          <a:p>
+            <a:r>
+              <a:rPr lang="pt-BR" sz="1400" dirty="0">
+                <a:solidFill>
+                  <a:schemeClr val="accent1">
+                    <a:lumMod val="75000"/>
+                  </a:schemeClr>
+                </a:solidFill>
+                <a:latin typeface="Consolas" panose="020B0609020204030204" pitchFamily="49" charset="0"/>
+              </a:rPr>
+              <a:t>Point</a:t>
+            </a:r>
+            <a:r>
+              <a:rPr lang="pt-BR" sz="1400" dirty="0">
+                <a:solidFill>
+                  <a:schemeClr val="bg1">
+                    <a:lumMod val="85000"/>
+                  </a:schemeClr>
+                </a:solidFill>
+                <a:latin typeface="Consolas" panose="020B0609020204030204" pitchFamily="49" charset="0"/>
+              </a:rPr>
+              <a:t> </a:t>
+            </a:r>
+            <a:r>
+              <a:rPr lang="pt-BR" sz="1400" dirty="0" err="1">
+                <a:solidFill>
+                  <a:schemeClr val="bg1">
+                    <a:lumMod val="85000"/>
+                  </a:schemeClr>
+                </a:solidFill>
+                <a:latin typeface="Consolas" panose="020B0609020204030204" pitchFamily="49" charset="0"/>
+              </a:rPr>
+              <a:t>pB</a:t>
+            </a:r>
+            <a:r>
+              <a:rPr lang="pt-BR" sz="1400" dirty="0">
+                <a:solidFill>
+                  <a:schemeClr val="bg1">
+                    <a:lumMod val="85000"/>
+                  </a:schemeClr>
+                </a:solidFill>
+                <a:latin typeface="Consolas" panose="020B0609020204030204" pitchFamily="49" charset="0"/>
+              </a:rPr>
+              <a:t> { </a:t>
+            </a:r>
+            <a:r>
+              <a:rPr lang="pt-BR" sz="1400" dirty="0" err="1">
+                <a:solidFill>
+                  <a:schemeClr val="bg1">
+                    <a:lumMod val="85000"/>
+                  </a:schemeClr>
+                </a:solidFill>
+                <a:latin typeface="Consolas" panose="020B0609020204030204" pitchFamily="49" charset="0"/>
+              </a:rPr>
+              <a:t>rockB</a:t>
+            </a:r>
+            <a:r>
+              <a:rPr lang="pt-BR" sz="1400" dirty="0">
+                <a:solidFill>
+                  <a:schemeClr val="bg1">
+                    <a:lumMod val="85000"/>
+                  </a:schemeClr>
+                </a:solidFill>
+                <a:latin typeface="Consolas" panose="020B0609020204030204" pitchFamily="49" charset="0"/>
+              </a:rPr>
+              <a:t>-&gt;</a:t>
+            </a:r>
+            <a:r>
+              <a:rPr lang="pt-BR" sz="1400" dirty="0">
+                <a:solidFill>
+                  <a:schemeClr val="accent1"/>
+                </a:solidFill>
+                <a:latin typeface="Consolas" panose="020B0609020204030204" pitchFamily="49" charset="0"/>
+              </a:rPr>
+              <a:t>X</a:t>
+            </a:r>
+            <a:r>
+              <a:rPr lang="pt-BR" sz="1400" dirty="0">
+                <a:solidFill>
+                  <a:schemeClr val="bg1">
+                    <a:lumMod val="85000"/>
+                  </a:schemeClr>
+                </a:solidFill>
+                <a:latin typeface="Consolas" panose="020B0609020204030204" pitchFamily="49" charset="0"/>
+              </a:rPr>
+              <a:t>(), </a:t>
+            </a:r>
+            <a:r>
+              <a:rPr lang="pt-BR" sz="1400" dirty="0" err="1">
+                <a:solidFill>
+                  <a:schemeClr val="bg1">
+                    <a:lumMod val="85000"/>
+                  </a:schemeClr>
+                </a:solidFill>
+                <a:latin typeface="Consolas" panose="020B0609020204030204" pitchFamily="49" charset="0"/>
+              </a:rPr>
+              <a:t>rockB</a:t>
+            </a:r>
+            <a:r>
+              <a:rPr lang="pt-BR" sz="1400" dirty="0">
+                <a:solidFill>
+                  <a:schemeClr val="bg1">
+                    <a:lumMod val="85000"/>
+                  </a:schemeClr>
+                </a:solidFill>
+                <a:latin typeface="Consolas" panose="020B0609020204030204" pitchFamily="49" charset="0"/>
+              </a:rPr>
+              <a:t>-&gt;</a:t>
+            </a:r>
+            <a:r>
+              <a:rPr lang="pt-BR" sz="1400" dirty="0">
+                <a:solidFill>
+                  <a:schemeClr val="accent1"/>
+                </a:solidFill>
+                <a:latin typeface="Consolas" panose="020B0609020204030204" pitchFamily="49" charset="0"/>
+              </a:rPr>
+              <a:t>Y</a:t>
+            </a:r>
+            <a:r>
+              <a:rPr lang="pt-BR" sz="1400" dirty="0">
+                <a:solidFill>
+                  <a:schemeClr val="bg1">
+                    <a:lumMod val="85000"/>
+                  </a:schemeClr>
+                </a:solidFill>
+                <a:latin typeface="Consolas" panose="020B0609020204030204" pitchFamily="49" charset="0"/>
+              </a:rPr>
+              <a:t>() };</a:t>
+            </a:r>
+          </a:p>
+          <a:p>
+            <a:endParaRPr lang="pt-BR" sz="1400" dirty="0">
+              <a:solidFill>
+                <a:schemeClr val="bg1">
+                  <a:lumMod val="85000"/>
+                </a:schemeClr>
+              </a:solidFill>
+              <a:latin typeface="Consolas" panose="020B0609020204030204" pitchFamily="49" charset="0"/>
+            </a:endParaRPr>
+          </a:p>
+          <a:p>
+            <a:r>
+              <a:rPr lang="pt-BR" sz="1400" dirty="0">
+                <a:solidFill>
+                  <a:schemeClr val="accent4">
+                    <a:lumMod val="75000"/>
+                  </a:schemeClr>
+                </a:solidFill>
+                <a:latin typeface="Consolas" panose="020B0609020204030204" pitchFamily="49" charset="0"/>
+              </a:rPr>
+              <a:t>// ângulo formado pela linha que interliga os centros</a:t>
+            </a:r>
+          </a:p>
+          <a:p>
+            <a:r>
+              <a:rPr lang="pt-BR" sz="1400" dirty="0" err="1">
+                <a:solidFill>
+                  <a:schemeClr val="accent1">
+                    <a:lumMod val="75000"/>
+                  </a:schemeClr>
+                </a:solidFill>
+                <a:latin typeface="Consolas" panose="020B0609020204030204" pitchFamily="49" charset="0"/>
+              </a:rPr>
+              <a:t>float</a:t>
+            </a:r>
+            <a:r>
+              <a:rPr lang="pt-BR" sz="1400" dirty="0">
+                <a:solidFill>
+                  <a:schemeClr val="bg1">
+                    <a:lumMod val="85000"/>
+                  </a:schemeClr>
+                </a:solidFill>
+                <a:latin typeface="Consolas" panose="020B0609020204030204" pitchFamily="49" charset="0"/>
+              </a:rPr>
+              <a:t> </a:t>
+            </a:r>
+            <a:r>
+              <a:rPr lang="pt-BR" sz="1400" dirty="0" err="1">
+                <a:solidFill>
+                  <a:schemeClr val="bg1">
+                    <a:lumMod val="85000"/>
+                  </a:schemeClr>
+                </a:solidFill>
+                <a:latin typeface="Consolas" panose="020B0609020204030204" pitchFamily="49" charset="0"/>
+              </a:rPr>
+              <a:t>angleA</a:t>
+            </a:r>
+            <a:r>
+              <a:rPr lang="pt-BR" sz="1400" dirty="0">
+                <a:solidFill>
+                  <a:schemeClr val="bg1">
+                    <a:lumMod val="85000"/>
+                  </a:schemeClr>
+                </a:solidFill>
+                <a:latin typeface="Consolas" panose="020B0609020204030204" pitchFamily="49" charset="0"/>
+              </a:rPr>
+              <a:t> = </a:t>
+            </a:r>
+            <a:r>
+              <a:rPr lang="pt-BR" sz="1400" dirty="0" err="1">
+                <a:solidFill>
+                  <a:schemeClr val="accent1">
+                    <a:lumMod val="75000"/>
+                  </a:schemeClr>
+                </a:solidFill>
+                <a:latin typeface="Consolas" panose="020B0609020204030204" pitchFamily="49" charset="0"/>
+              </a:rPr>
+              <a:t>Line</a:t>
+            </a:r>
+            <a:r>
+              <a:rPr lang="pt-BR" sz="1400" dirty="0">
+                <a:solidFill>
+                  <a:schemeClr val="bg1">
+                    <a:lumMod val="85000"/>
+                  </a:schemeClr>
+                </a:solidFill>
+                <a:latin typeface="Consolas" panose="020B0609020204030204" pitchFamily="49" charset="0"/>
+              </a:rPr>
+              <a:t>::</a:t>
+            </a:r>
+            <a:r>
+              <a:rPr lang="pt-BR" sz="1400" dirty="0" err="1">
+                <a:solidFill>
+                  <a:schemeClr val="accent1"/>
+                </a:solidFill>
+                <a:latin typeface="Consolas" panose="020B0609020204030204" pitchFamily="49" charset="0"/>
+              </a:rPr>
+              <a:t>Angle</a:t>
+            </a:r>
+            <a:r>
+              <a:rPr lang="pt-BR" sz="1400" dirty="0">
+                <a:solidFill>
+                  <a:schemeClr val="bg1">
+                    <a:lumMod val="85000"/>
+                  </a:schemeClr>
+                </a:solidFill>
+                <a:latin typeface="Consolas" panose="020B0609020204030204" pitchFamily="49" charset="0"/>
+              </a:rPr>
+              <a:t>(</a:t>
+            </a:r>
+            <a:r>
+              <a:rPr lang="pt-BR" sz="1400" dirty="0" err="1">
+                <a:solidFill>
+                  <a:schemeClr val="bg1">
+                    <a:lumMod val="85000"/>
+                  </a:schemeClr>
+                </a:solidFill>
+                <a:latin typeface="Consolas" panose="020B0609020204030204" pitchFamily="49" charset="0"/>
+              </a:rPr>
+              <a:t>pA</a:t>
+            </a:r>
+            <a:r>
+              <a:rPr lang="pt-BR" sz="1400" dirty="0">
+                <a:solidFill>
+                  <a:schemeClr val="bg1">
+                    <a:lumMod val="85000"/>
+                  </a:schemeClr>
+                </a:solidFill>
+                <a:latin typeface="Consolas" panose="020B0609020204030204" pitchFamily="49" charset="0"/>
+              </a:rPr>
+              <a:t>, </a:t>
+            </a:r>
+            <a:r>
+              <a:rPr lang="pt-BR" sz="1400" dirty="0" err="1">
+                <a:solidFill>
+                  <a:schemeClr val="bg1">
+                    <a:lumMod val="85000"/>
+                  </a:schemeClr>
+                </a:solidFill>
+                <a:latin typeface="Consolas" panose="020B0609020204030204" pitchFamily="49" charset="0"/>
+              </a:rPr>
+              <a:t>pB</a:t>
+            </a:r>
+            <a:r>
+              <a:rPr lang="pt-BR" sz="1400" dirty="0">
+                <a:solidFill>
+                  <a:schemeClr val="bg1">
+                    <a:lumMod val="85000"/>
+                  </a:schemeClr>
+                </a:solidFill>
+                <a:latin typeface="Consolas" panose="020B0609020204030204" pitchFamily="49" charset="0"/>
+              </a:rPr>
+              <a:t>);</a:t>
+            </a:r>
+          </a:p>
+          <a:p>
+            <a:r>
+              <a:rPr lang="pt-BR" sz="1400" dirty="0" err="1">
+                <a:solidFill>
+                  <a:schemeClr val="accent1">
+                    <a:lumMod val="75000"/>
+                  </a:schemeClr>
+                </a:solidFill>
+                <a:latin typeface="Consolas" panose="020B0609020204030204" pitchFamily="49" charset="0"/>
+              </a:rPr>
+              <a:t>float</a:t>
+            </a:r>
+            <a:r>
+              <a:rPr lang="pt-BR" sz="1400" dirty="0">
+                <a:solidFill>
+                  <a:schemeClr val="bg1">
+                    <a:lumMod val="85000"/>
+                  </a:schemeClr>
+                </a:solidFill>
+                <a:latin typeface="Consolas" panose="020B0609020204030204" pitchFamily="49" charset="0"/>
+              </a:rPr>
+              <a:t> </a:t>
+            </a:r>
+            <a:r>
+              <a:rPr lang="pt-BR" sz="1400" dirty="0" err="1">
+                <a:solidFill>
+                  <a:schemeClr val="bg1">
+                    <a:lumMod val="85000"/>
+                  </a:schemeClr>
+                </a:solidFill>
+                <a:latin typeface="Consolas" panose="020B0609020204030204" pitchFamily="49" charset="0"/>
+              </a:rPr>
+              <a:t>angleB</a:t>
+            </a:r>
+            <a:r>
+              <a:rPr lang="pt-BR" sz="1400" dirty="0">
+                <a:solidFill>
+                  <a:schemeClr val="bg1">
+                    <a:lumMod val="85000"/>
+                  </a:schemeClr>
+                </a:solidFill>
+                <a:latin typeface="Consolas" panose="020B0609020204030204" pitchFamily="49" charset="0"/>
+              </a:rPr>
+              <a:t> = </a:t>
+            </a:r>
+            <a:r>
+              <a:rPr lang="pt-BR" sz="1400" dirty="0" err="1">
+                <a:solidFill>
+                  <a:schemeClr val="bg1">
+                    <a:lumMod val="85000"/>
+                  </a:schemeClr>
+                </a:solidFill>
+                <a:latin typeface="Consolas" panose="020B0609020204030204" pitchFamily="49" charset="0"/>
+              </a:rPr>
+              <a:t>angleA</a:t>
+            </a:r>
+            <a:r>
+              <a:rPr lang="pt-BR" sz="1400" dirty="0">
+                <a:solidFill>
+                  <a:schemeClr val="bg1">
+                    <a:lumMod val="85000"/>
+                  </a:schemeClr>
+                </a:solidFill>
+                <a:latin typeface="Consolas" panose="020B0609020204030204" pitchFamily="49" charset="0"/>
+              </a:rPr>
+              <a:t> + 180.0f;</a:t>
+            </a:r>
+          </a:p>
+          <a:p>
+            <a:endParaRPr lang="pt-BR" sz="1400" dirty="0">
+              <a:solidFill>
+                <a:schemeClr val="bg1">
+                  <a:lumMod val="85000"/>
+                </a:schemeClr>
+              </a:solidFill>
+              <a:latin typeface="Consolas" panose="020B0609020204030204" pitchFamily="49" charset="0"/>
+            </a:endParaRPr>
+          </a:p>
+          <a:p>
+            <a:r>
+              <a:rPr lang="pt-BR" sz="1400" dirty="0">
+                <a:solidFill>
+                  <a:schemeClr val="accent4">
+                    <a:lumMod val="75000"/>
+                  </a:schemeClr>
+                </a:solidFill>
+                <a:latin typeface="Consolas" panose="020B0609020204030204" pitchFamily="49" charset="0"/>
+              </a:rPr>
+              <a:t>// vetores gerados no impacto (com 25% de perda)</a:t>
+            </a:r>
+          </a:p>
+          <a:p>
+            <a:r>
+              <a:rPr lang="pt-BR" sz="1400" dirty="0">
+                <a:solidFill>
+                  <a:schemeClr val="accent1">
+                    <a:lumMod val="75000"/>
+                  </a:schemeClr>
+                </a:solidFill>
+                <a:latin typeface="Consolas" panose="020B0609020204030204" pitchFamily="49" charset="0"/>
+              </a:rPr>
+              <a:t>Vector</a:t>
+            </a:r>
+            <a:r>
+              <a:rPr lang="pt-BR" sz="1400" dirty="0">
+                <a:solidFill>
+                  <a:schemeClr val="bg1">
+                    <a:lumMod val="85000"/>
+                  </a:schemeClr>
+                </a:solidFill>
+                <a:latin typeface="Consolas" panose="020B0609020204030204" pitchFamily="49" charset="0"/>
+              </a:rPr>
+              <a:t> </a:t>
+            </a:r>
+            <a:r>
+              <a:rPr lang="pt-BR" sz="1400" dirty="0" err="1">
+                <a:solidFill>
+                  <a:schemeClr val="bg1">
+                    <a:lumMod val="85000"/>
+                  </a:schemeClr>
+                </a:solidFill>
+                <a:latin typeface="Consolas" panose="020B0609020204030204" pitchFamily="49" charset="0"/>
+              </a:rPr>
+              <a:t>impactA</a:t>
+            </a:r>
+            <a:r>
+              <a:rPr lang="pt-BR" sz="1400" dirty="0">
+                <a:solidFill>
+                  <a:schemeClr val="bg1">
+                    <a:lumMod val="85000"/>
+                  </a:schemeClr>
+                </a:solidFill>
+                <a:latin typeface="Consolas" panose="020B0609020204030204" pitchFamily="49" charset="0"/>
+              </a:rPr>
+              <a:t> { </a:t>
+            </a:r>
+            <a:r>
+              <a:rPr lang="pt-BR" sz="1400" dirty="0" err="1">
+                <a:solidFill>
+                  <a:schemeClr val="bg1">
+                    <a:lumMod val="85000"/>
+                  </a:schemeClr>
+                </a:solidFill>
+                <a:latin typeface="Consolas" panose="020B0609020204030204" pitchFamily="49" charset="0"/>
+              </a:rPr>
+              <a:t>angleA</a:t>
+            </a:r>
+            <a:r>
+              <a:rPr lang="pt-BR" sz="1400" dirty="0">
+                <a:solidFill>
+                  <a:schemeClr val="bg1">
+                    <a:lumMod val="85000"/>
+                  </a:schemeClr>
+                </a:solidFill>
+                <a:latin typeface="Consolas" panose="020B0609020204030204" pitchFamily="49" charset="0"/>
+              </a:rPr>
+              <a:t>, 0.75f * </a:t>
+            </a:r>
+            <a:r>
+              <a:rPr lang="pt-BR" sz="1400" dirty="0" err="1">
+                <a:solidFill>
+                  <a:schemeClr val="bg1">
+                    <a:lumMod val="85000"/>
+                  </a:schemeClr>
+                </a:solidFill>
+                <a:latin typeface="Consolas" panose="020B0609020204030204" pitchFamily="49" charset="0"/>
+              </a:rPr>
+              <a:t>rockA</a:t>
+            </a:r>
+            <a:r>
+              <a:rPr lang="pt-BR" sz="1400" dirty="0">
+                <a:solidFill>
+                  <a:schemeClr val="bg1">
+                    <a:lumMod val="85000"/>
+                  </a:schemeClr>
+                </a:solidFill>
+                <a:latin typeface="Consolas" panose="020B0609020204030204" pitchFamily="49" charset="0"/>
+              </a:rPr>
+              <a:t>-&gt;</a:t>
+            </a:r>
+            <a:r>
+              <a:rPr lang="pt-BR" sz="1400" dirty="0" err="1">
+                <a:solidFill>
+                  <a:schemeClr val="bg1">
+                    <a:lumMod val="85000"/>
+                  </a:schemeClr>
+                </a:solidFill>
+                <a:latin typeface="Consolas" panose="020B0609020204030204" pitchFamily="49" charset="0"/>
+              </a:rPr>
+              <a:t>speed.</a:t>
+            </a:r>
+            <a:r>
+              <a:rPr lang="pt-BR" sz="1400" dirty="0" err="1">
+                <a:solidFill>
+                  <a:schemeClr val="accent1"/>
+                </a:solidFill>
+                <a:latin typeface="Consolas" panose="020B0609020204030204" pitchFamily="49" charset="0"/>
+              </a:rPr>
+              <a:t>Magnitude</a:t>
+            </a:r>
+            <a:r>
+              <a:rPr lang="pt-BR" sz="1400" dirty="0">
+                <a:solidFill>
+                  <a:schemeClr val="bg1">
+                    <a:lumMod val="85000"/>
+                  </a:schemeClr>
+                </a:solidFill>
+                <a:latin typeface="Consolas" panose="020B0609020204030204" pitchFamily="49" charset="0"/>
+              </a:rPr>
+              <a:t>() };</a:t>
+            </a:r>
+          </a:p>
+          <a:p>
+            <a:r>
+              <a:rPr lang="pt-BR" sz="1400" dirty="0">
+                <a:solidFill>
+                  <a:schemeClr val="accent1">
+                    <a:lumMod val="75000"/>
+                  </a:schemeClr>
+                </a:solidFill>
+                <a:latin typeface="Consolas" panose="020B0609020204030204" pitchFamily="49" charset="0"/>
+              </a:rPr>
+              <a:t>Vector</a:t>
+            </a:r>
+            <a:r>
+              <a:rPr lang="pt-BR" sz="1400" dirty="0">
+                <a:solidFill>
+                  <a:schemeClr val="bg1">
+                    <a:lumMod val="85000"/>
+                  </a:schemeClr>
+                </a:solidFill>
+                <a:latin typeface="Consolas" panose="020B0609020204030204" pitchFamily="49" charset="0"/>
+              </a:rPr>
+              <a:t> </a:t>
+            </a:r>
+            <a:r>
+              <a:rPr lang="pt-BR" sz="1400" dirty="0" err="1">
+                <a:solidFill>
+                  <a:schemeClr val="bg1">
+                    <a:lumMod val="85000"/>
+                  </a:schemeClr>
+                </a:solidFill>
+                <a:latin typeface="Consolas" panose="020B0609020204030204" pitchFamily="49" charset="0"/>
+              </a:rPr>
+              <a:t>impactB</a:t>
+            </a:r>
+            <a:r>
+              <a:rPr lang="pt-BR" sz="1400" dirty="0">
+                <a:solidFill>
+                  <a:schemeClr val="bg1">
+                    <a:lumMod val="85000"/>
+                  </a:schemeClr>
+                </a:solidFill>
+                <a:latin typeface="Consolas" panose="020B0609020204030204" pitchFamily="49" charset="0"/>
+              </a:rPr>
+              <a:t> { </a:t>
+            </a:r>
+            <a:r>
+              <a:rPr lang="pt-BR" sz="1400" dirty="0" err="1">
+                <a:solidFill>
+                  <a:schemeClr val="bg1">
+                    <a:lumMod val="85000"/>
+                  </a:schemeClr>
+                </a:solidFill>
+                <a:latin typeface="Consolas" panose="020B0609020204030204" pitchFamily="49" charset="0"/>
+              </a:rPr>
+              <a:t>angleB</a:t>
+            </a:r>
+            <a:r>
+              <a:rPr lang="pt-BR" sz="1400" dirty="0">
+                <a:solidFill>
+                  <a:schemeClr val="bg1">
+                    <a:lumMod val="85000"/>
+                  </a:schemeClr>
+                </a:solidFill>
+                <a:latin typeface="Consolas" panose="020B0609020204030204" pitchFamily="49" charset="0"/>
+              </a:rPr>
+              <a:t>, 0.75f * </a:t>
+            </a:r>
+            <a:r>
+              <a:rPr lang="pt-BR" sz="1400" dirty="0" err="1">
+                <a:solidFill>
+                  <a:schemeClr val="bg1">
+                    <a:lumMod val="85000"/>
+                  </a:schemeClr>
+                </a:solidFill>
+                <a:latin typeface="Consolas" panose="020B0609020204030204" pitchFamily="49" charset="0"/>
+              </a:rPr>
+              <a:t>rockB</a:t>
+            </a:r>
+            <a:r>
+              <a:rPr lang="pt-BR" sz="1400" dirty="0">
+                <a:solidFill>
+                  <a:schemeClr val="bg1">
+                    <a:lumMod val="85000"/>
+                  </a:schemeClr>
+                </a:solidFill>
+                <a:latin typeface="Consolas" panose="020B0609020204030204" pitchFamily="49" charset="0"/>
+              </a:rPr>
+              <a:t>-&gt;</a:t>
+            </a:r>
+            <a:r>
+              <a:rPr lang="pt-BR" sz="1400" dirty="0" err="1">
+                <a:solidFill>
+                  <a:schemeClr val="bg1">
+                    <a:lumMod val="85000"/>
+                  </a:schemeClr>
+                </a:solidFill>
+                <a:latin typeface="Consolas" panose="020B0609020204030204" pitchFamily="49" charset="0"/>
+              </a:rPr>
+              <a:t>speed.</a:t>
+            </a:r>
+            <a:r>
+              <a:rPr lang="pt-BR" sz="1400" dirty="0" err="1">
+                <a:solidFill>
+                  <a:schemeClr val="accent1"/>
+                </a:solidFill>
+                <a:latin typeface="Consolas" panose="020B0609020204030204" pitchFamily="49" charset="0"/>
+              </a:rPr>
+              <a:t>Magnitude</a:t>
+            </a:r>
+            <a:r>
+              <a:rPr lang="pt-BR" sz="1400" dirty="0">
+                <a:solidFill>
+                  <a:schemeClr val="bg1">
+                    <a:lumMod val="85000"/>
+                  </a:schemeClr>
+                </a:solidFill>
+                <a:latin typeface="Consolas" panose="020B0609020204030204" pitchFamily="49" charset="0"/>
+              </a:rPr>
+              <a:t>() };</a:t>
+            </a:r>
+          </a:p>
+          <a:p>
+            <a:endParaRPr lang="pt-BR" sz="1400" dirty="0">
+              <a:solidFill>
+                <a:schemeClr val="bg1">
+                  <a:lumMod val="85000"/>
+                </a:schemeClr>
+              </a:solidFill>
+              <a:latin typeface="Consolas" panose="020B0609020204030204" pitchFamily="49" charset="0"/>
+            </a:endParaRPr>
+          </a:p>
+          <a:p>
+            <a:r>
+              <a:rPr lang="pt-BR" sz="1400" dirty="0">
+                <a:solidFill>
+                  <a:schemeClr val="accent4">
+                    <a:lumMod val="75000"/>
+                  </a:schemeClr>
+                </a:solidFill>
+                <a:latin typeface="Consolas" panose="020B0609020204030204" pitchFamily="49" charset="0"/>
+              </a:rPr>
+              <a:t>// adiciona vetor impacto à velocidade das rochas</a:t>
+            </a:r>
+          </a:p>
+          <a:p>
+            <a:r>
+              <a:rPr lang="pt-BR" sz="1400" dirty="0" err="1">
+                <a:solidFill>
+                  <a:schemeClr val="bg1">
+                    <a:lumMod val="85000"/>
+                  </a:schemeClr>
+                </a:solidFill>
+                <a:latin typeface="Consolas" panose="020B0609020204030204" pitchFamily="49" charset="0"/>
+              </a:rPr>
+              <a:t>rockA</a:t>
+            </a:r>
+            <a:r>
+              <a:rPr lang="pt-BR" sz="1400" dirty="0">
+                <a:solidFill>
+                  <a:schemeClr val="bg1">
+                    <a:lumMod val="85000"/>
+                  </a:schemeClr>
+                </a:solidFill>
+                <a:latin typeface="Consolas" panose="020B0609020204030204" pitchFamily="49" charset="0"/>
+              </a:rPr>
+              <a:t>-&gt;</a:t>
+            </a:r>
+            <a:r>
+              <a:rPr lang="pt-BR" sz="1400" dirty="0" err="1">
+                <a:solidFill>
+                  <a:schemeClr val="bg1">
+                    <a:lumMod val="85000"/>
+                  </a:schemeClr>
+                </a:solidFill>
+                <a:latin typeface="Consolas" panose="020B0609020204030204" pitchFamily="49" charset="0"/>
+              </a:rPr>
+              <a:t>speed.</a:t>
+            </a:r>
+            <a:r>
+              <a:rPr lang="pt-BR" sz="1400" dirty="0" err="1">
+                <a:solidFill>
+                  <a:schemeClr val="accent1"/>
+                </a:solidFill>
+                <a:latin typeface="Consolas" panose="020B0609020204030204" pitchFamily="49" charset="0"/>
+              </a:rPr>
+              <a:t>Add</a:t>
+            </a:r>
+            <a:r>
+              <a:rPr lang="pt-BR" sz="1400" dirty="0">
+                <a:solidFill>
+                  <a:schemeClr val="bg1">
+                    <a:lumMod val="85000"/>
+                  </a:schemeClr>
+                </a:solidFill>
+                <a:latin typeface="Consolas" panose="020B0609020204030204" pitchFamily="49" charset="0"/>
+              </a:rPr>
+              <a:t>(</a:t>
+            </a:r>
+            <a:r>
+              <a:rPr lang="pt-BR" sz="1400" dirty="0" err="1">
+                <a:solidFill>
+                  <a:schemeClr val="bg1">
+                    <a:lumMod val="85000"/>
+                  </a:schemeClr>
+                </a:solidFill>
+                <a:latin typeface="Consolas" panose="020B0609020204030204" pitchFamily="49" charset="0"/>
+              </a:rPr>
+              <a:t>impactB</a:t>
+            </a:r>
+            <a:r>
+              <a:rPr lang="pt-BR" sz="1400" dirty="0">
+                <a:solidFill>
+                  <a:schemeClr val="bg1">
+                    <a:lumMod val="85000"/>
+                  </a:schemeClr>
+                </a:solidFill>
+                <a:latin typeface="Consolas" panose="020B0609020204030204" pitchFamily="49" charset="0"/>
+              </a:rPr>
+              <a:t>);</a:t>
+            </a:r>
+          </a:p>
+          <a:p>
+            <a:r>
+              <a:rPr lang="pt-BR" sz="1400" dirty="0" err="1">
+                <a:solidFill>
+                  <a:schemeClr val="bg1">
+                    <a:lumMod val="85000"/>
+                  </a:schemeClr>
+                </a:solidFill>
+                <a:latin typeface="Consolas" panose="020B0609020204030204" pitchFamily="49" charset="0"/>
+              </a:rPr>
+              <a:t>rockB</a:t>
+            </a:r>
+            <a:r>
+              <a:rPr lang="pt-BR" sz="1400" dirty="0">
+                <a:solidFill>
+                  <a:schemeClr val="bg1">
+                    <a:lumMod val="85000"/>
+                  </a:schemeClr>
+                </a:solidFill>
+                <a:latin typeface="Consolas" panose="020B0609020204030204" pitchFamily="49" charset="0"/>
+              </a:rPr>
+              <a:t>-&gt;</a:t>
+            </a:r>
+            <a:r>
+              <a:rPr lang="pt-BR" sz="1400" dirty="0" err="1">
+                <a:solidFill>
+                  <a:schemeClr val="bg1">
+                    <a:lumMod val="85000"/>
+                  </a:schemeClr>
+                </a:solidFill>
+                <a:latin typeface="Consolas" panose="020B0609020204030204" pitchFamily="49" charset="0"/>
+              </a:rPr>
+              <a:t>speed.</a:t>
+            </a:r>
+            <a:r>
+              <a:rPr lang="pt-BR" sz="1400" dirty="0" err="1">
+                <a:solidFill>
+                  <a:schemeClr val="accent1"/>
+                </a:solidFill>
+                <a:latin typeface="Consolas" panose="020B0609020204030204" pitchFamily="49" charset="0"/>
+              </a:rPr>
+              <a:t>Add</a:t>
+            </a:r>
+            <a:r>
+              <a:rPr lang="pt-BR" sz="1400" dirty="0">
+                <a:solidFill>
+                  <a:schemeClr val="bg1">
+                    <a:lumMod val="85000"/>
+                  </a:schemeClr>
+                </a:solidFill>
+                <a:latin typeface="Consolas" panose="020B0609020204030204" pitchFamily="49" charset="0"/>
+              </a:rPr>
+              <a:t>(</a:t>
+            </a:r>
+            <a:r>
+              <a:rPr lang="pt-BR" sz="1400" dirty="0" err="1">
+                <a:solidFill>
+                  <a:schemeClr val="bg1">
+                    <a:lumMod val="85000"/>
+                  </a:schemeClr>
+                </a:solidFill>
+                <a:latin typeface="Consolas" panose="020B0609020204030204" pitchFamily="49" charset="0"/>
+              </a:rPr>
+              <a:t>impactA</a:t>
+            </a:r>
+            <a:r>
+              <a:rPr lang="pt-BR" sz="1400" dirty="0">
+                <a:solidFill>
+                  <a:schemeClr val="bg1">
+                    <a:lumMod val="85000"/>
+                  </a:schemeClr>
+                </a:solidFill>
+                <a:latin typeface="Consolas" panose="020B0609020204030204" pitchFamily="49" charset="0"/>
+              </a:rPr>
+              <a:t>);</a:t>
+            </a:r>
+          </a:p>
+        </p:txBody>
+      </p:sp>
+      <p:cxnSp>
+        <p:nvCxnSpPr>
+          <p:cNvPr id="25" name="Conector reto 24">
+            <a:extLst>
+              <a:ext uri="{FF2B5EF4-FFF2-40B4-BE49-F238E27FC236}">
+                <a16:creationId xmlns:a16="http://schemas.microsoft.com/office/drawing/2014/main" id="{7B5314F0-7F8E-4A09-97D1-EB5430649A9C}"/>
+              </a:ext>
+            </a:extLst>
+          </p:cNvPr>
+          <p:cNvCxnSpPr>
+            <a:cxnSpLocks/>
+          </p:cNvCxnSpPr>
+          <p:nvPr/>
+        </p:nvCxnSpPr>
+        <p:spPr>
+          <a:xfrm flipV="1">
+            <a:off x="3989490" y="2545987"/>
+            <a:ext cx="522334" cy="376834"/>
+          </a:xfrm>
+          <a:prstGeom prst="line">
+            <a:avLst/>
+          </a:prstGeom>
+          <a:ln w="28575">
+            <a:solidFill>
+              <a:schemeClr val="accent1"/>
+            </a:solidFill>
+            <a:headEnd type="none" w="med" len="med"/>
+            <a:tailEnd type="arrow" w="med" len="med"/>
+          </a:ln>
+        </p:spPr>
+        <p:style>
+          <a:lnRef idx="1">
+            <a:schemeClr val="accent1"/>
+          </a:lnRef>
+          <a:fillRef idx="0">
+            <a:schemeClr val="accent1"/>
+          </a:fillRef>
+          <a:effectRef idx="0">
+            <a:schemeClr val="accent1"/>
+          </a:effectRef>
+          <a:fontRef idx="minor">
+            <a:schemeClr val="tx1"/>
+          </a:fontRef>
+        </p:style>
+      </p:cxnSp>
+      <p:cxnSp>
+        <p:nvCxnSpPr>
+          <p:cNvPr id="29" name="Conector reto 28">
+            <a:extLst>
+              <a:ext uri="{FF2B5EF4-FFF2-40B4-BE49-F238E27FC236}">
+                <a16:creationId xmlns:a16="http://schemas.microsoft.com/office/drawing/2014/main" id="{9F62D20D-AD1F-4607-85A4-1A66F17720E8}"/>
+              </a:ext>
+            </a:extLst>
+          </p:cNvPr>
+          <p:cNvCxnSpPr>
+            <a:cxnSpLocks/>
+            <a:stCxn id="8" idx="0"/>
+          </p:cNvCxnSpPr>
+          <p:nvPr/>
+        </p:nvCxnSpPr>
+        <p:spPr>
+          <a:xfrm flipH="1">
+            <a:off x="1002437" y="4656149"/>
+            <a:ext cx="627485" cy="429035"/>
+          </a:xfrm>
+          <a:prstGeom prst="line">
+            <a:avLst/>
+          </a:prstGeom>
+          <a:ln w="28575">
+            <a:solidFill>
+              <a:schemeClr val="accent1"/>
+            </a:solidFill>
+            <a:headEnd type="none" w="med" len="med"/>
+            <a:tailEnd type="arrow" w="med" len="med"/>
+          </a:ln>
+        </p:spPr>
+        <p:style>
+          <a:lnRef idx="1">
+            <a:schemeClr val="accent1"/>
+          </a:lnRef>
+          <a:fillRef idx="0">
+            <a:schemeClr val="accent1"/>
+          </a:fillRef>
+          <a:effectRef idx="0">
+            <a:schemeClr val="accent1"/>
+          </a:effectRef>
+          <a:fontRef idx="minor">
+            <a:schemeClr val="tx1"/>
+          </a:fontRef>
+        </p:style>
+      </p:cxnSp>
+      <p:sp>
+        <p:nvSpPr>
+          <p:cNvPr id="5" name="Forma em L 7">
+            <a:extLst>
+              <a:ext uri="{FF2B5EF4-FFF2-40B4-BE49-F238E27FC236}">
+                <a16:creationId xmlns:a16="http://schemas.microsoft.com/office/drawing/2014/main" id="{597BBCEE-D140-4C28-8D5C-7DB9EF8F9946}"/>
+              </a:ext>
+            </a:extLst>
+          </p:cNvPr>
+          <p:cNvSpPr/>
+          <p:nvPr/>
+        </p:nvSpPr>
+        <p:spPr>
+          <a:xfrm rot="2694708">
+            <a:off x="2638146" y="2630927"/>
+            <a:ext cx="1577582" cy="1561456"/>
+          </a:xfrm>
+          <a:custGeom>
+            <a:avLst/>
+            <a:gdLst>
+              <a:gd name="connsiteX0" fmla="*/ 0 w 2016224"/>
+              <a:gd name="connsiteY0" fmla="*/ 0 h 1872208"/>
+              <a:gd name="connsiteX1" fmla="*/ 936104 w 2016224"/>
+              <a:gd name="connsiteY1" fmla="*/ 0 h 1872208"/>
+              <a:gd name="connsiteX2" fmla="*/ 936104 w 2016224"/>
+              <a:gd name="connsiteY2" fmla="*/ 936104 h 1872208"/>
+              <a:gd name="connsiteX3" fmla="*/ 2016224 w 2016224"/>
+              <a:gd name="connsiteY3" fmla="*/ 936104 h 1872208"/>
+              <a:gd name="connsiteX4" fmla="*/ 2016224 w 2016224"/>
+              <a:gd name="connsiteY4" fmla="*/ 1872208 h 1872208"/>
+              <a:gd name="connsiteX5" fmla="*/ 0 w 2016224"/>
+              <a:gd name="connsiteY5" fmla="*/ 1872208 h 1872208"/>
+              <a:gd name="connsiteX6" fmla="*/ 0 w 2016224"/>
+              <a:gd name="connsiteY6" fmla="*/ 0 h 1872208"/>
+              <a:gd name="connsiteX0" fmla="*/ 0 w 2016224"/>
+              <a:gd name="connsiteY0" fmla="*/ 365760 h 2237968"/>
+              <a:gd name="connsiteX1" fmla="*/ 579488 w 2016224"/>
+              <a:gd name="connsiteY1" fmla="*/ 0 h 2237968"/>
+              <a:gd name="connsiteX2" fmla="*/ 936104 w 2016224"/>
+              <a:gd name="connsiteY2" fmla="*/ 1301864 h 2237968"/>
+              <a:gd name="connsiteX3" fmla="*/ 2016224 w 2016224"/>
+              <a:gd name="connsiteY3" fmla="*/ 1301864 h 2237968"/>
+              <a:gd name="connsiteX4" fmla="*/ 2016224 w 2016224"/>
+              <a:gd name="connsiteY4" fmla="*/ 2237968 h 2237968"/>
+              <a:gd name="connsiteX5" fmla="*/ 0 w 2016224"/>
+              <a:gd name="connsiteY5" fmla="*/ 2237968 h 2237968"/>
+              <a:gd name="connsiteX6" fmla="*/ 0 w 2016224"/>
+              <a:gd name="connsiteY6" fmla="*/ 365760 h 2237968"/>
+              <a:gd name="connsiteX0" fmla="*/ 0 w 2016224"/>
+              <a:gd name="connsiteY0" fmla="*/ 365760 h 2237968"/>
+              <a:gd name="connsiteX1" fmla="*/ 579488 w 2016224"/>
+              <a:gd name="connsiteY1" fmla="*/ 0 h 2237968"/>
+              <a:gd name="connsiteX2" fmla="*/ 936104 w 2016224"/>
+              <a:gd name="connsiteY2" fmla="*/ 1301864 h 2237968"/>
+              <a:gd name="connsiteX3" fmla="*/ 1933928 w 2016224"/>
+              <a:gd name="connsiteY3" fmla="*/ 734936 h 2237968"/>
+              <a:gd name="connsiteX4" fmla="*/ 2016224 w 2016224"/>
+              <a:gd name="connsiteY4" fmla="*/ 2237968 h 2237968"/>
+              <a:gd name="connsiteX5" fmla="*/ 0 w 2016224"/>
+              <a:gd name="connsiteY5" fmla="*/ 2237968 h 2237968"/>
+              <a:gd name="connsiteX6" fmla="*/ 0 w 2016224"/>
+              <a:gd name="connsiteY6" fmla="*/ 365760 h 2237968"/>
+              <a:gd name="connsiteX0" fmla="*/ 0 w 3323398"/>
+              <a:gd name="connsiteY0" fmla="*/ 3065209 h 3065209"/>
+              <a:gd name="connsiteX1" fmla="*/ 1886662 w 3323398"/>
+              <a:gd name="connsiteY1" fmla="*/ 0 h 3065209"/>
+              <a:gd name="connsiteX2" fmla="*/ 2243278 w 3323398"/>
+              <a:gd name="connsiteY2" fmla="*/ 1301864 h 3065209"/>
+              <a:gd name="connsiteX3" fmla="*/ 3241102 w 3323398"/>
+              <a:gd name="connsiteY3" fmla="*/ 734936 h 3065209"/>
+              <a:gd name="connsiteX4" fmla="*/ 3323398 w 3323398"/>
+              <a:gd name="connsiteY4" fmla="*/ 2237968 h 3065209"/>
+              <a:gd name="connsiteX5" fmla="*/ 1307174 w 3323398"/>
+              <a:gd name="connsiteY5" fmla="*/ 2237968 h 3065209"/>
+              <a:gd name="connsiteX6" fmla="*/ 0 w 3323398"/>
+              <a:gd name="connsiteY6" fmla="*/ 3065209 h 3065209"/>
+              <a:gd name="connsiteX0" fmla="*/ 0 w 3323398"/>
+              <a:gd name="connsiteY0" fmla="*/ 3065209 h 3065209"/>
+              <a:gd name="connsiteX1" fmla="*/ 1886662 w 3323398"/>
+              <a:gd name="connsiteY1" fmla="*/ 0 h 3065209"/>
+              <a:gd name="connsiteX2" fmla="*/ 2243278 w 3323398"/>
+              <a:gd name="connsiteY2" fmla="*/ 1301864 h 3065209"/>
+              <a:gd name="connsiteX3" fmla="*/ 3241102 w 3323398"/>
+              <a:gd name="connsiteY3" fmla="*/ 734936 h 3065209"/>
+              <a:gd name="connsiteX4" fmla="*/ 3323398 w 3323398"/>
+              <a:gd name="connsiteY4" fmla="*/ 2237968 h 3065209"/>
+              <a:gd name="connsiteX5" fmla="*/ 1694242 w 3323398"/>
+              <a:gd name="connsiteY5" fmla="*/ 1723530 h 3065209"/>
+              <a:gd name="connsiteX6" fmla="*/ 0 w 3323398"/>
+              <a:gd name="connsiteY6" fmla="*/ 3065209 h 3065209"/>
+              <a:gd name="connsiteX0" fmla="*/ 0 w 2706472"/>
+              <a:gd name="connsiteY0" fmla="*/ 1941126 h 2237968"/>
+              <a:gd name="connsiteX1" fmla="*/ 1269736 w 2706472"/>
+              <a:gd name="connsiteY1" fmla="*/ 0 h 2237968"/>
+              <a:gd name="connsiteX2" fmla="*/ 1626352 w 2706472"/>
+              <a:gd name="connsiteY2" fmla="*/ 1301864 h 2237968"/>
+              <a:gd name="connsiteX3" fmla="*/ 2624176 w 2706472"/>
+              <a:gd name="connsiteY3" fmla="*/ 734936 h 2237968"/>
+              <a:gd name="connsiteX4" fmla="*/ 2706472 w 2706472"/>
+              <a:gd name="connsiteY4" fmla="*/ 2237968 h 2237968"/>
+              <a:gd name="connsiteX5" fmla="*/ 1077316 w 2706472"/>
+              <a:gd name="connsiteY5" fmla="*/ 1723530 h 2237968"/>
+              <a:gd name="connsiteX6" fmla="*/ 0 w 2706472"/>
+              <a:gd name="connsiteY6" fmla="*/ 1941126 h 2237968"/>
+              <a:gd name="connsiteX0" fmla="*/ 0 w 2706472"/>
+              <a:gd name="connsiteY0" fmla="*/ 1684316 h 1981158"/>
+              <a:gd name="connsiteX1" fmla="*/ 492496 w 2706472"/>
+              <a:gd name="connsiteY1" fmla="*/ 0 h 1981158"/>
+              <a:gd name="connsiteX2" fmla="*/ 1626352 w 2706472"/>
+              <a:gd name="connsiteY2" fmla="*/ 1045054 h 1981158"/>
+              <a:gd name="connsiteX3" fmla="*/ 2624176 w 2706472"/>
+              <a:gd name="connsiteY3" fmla="*/ 478126 h 1981158"/>
+              <a:gd name="connsiteX4" fmla="*/ 2706472 w 2706472"/>
+              <a:gd name="connsiteY4" fmla="*/ 1981158 h 1981158"/>
+              <a:gd name="connsiteX5" fmla="*/ 1077316 w 2706472"/>
+              <a:gd name="connsiteY5" fmla="*/ 1466720 h 1981158"/>
+              <a:gd name="connsiteX6" fmla="*/ 0 w 2706472"/>
+              <a:gd name="connsiteY6" fmla="*/ 1684316 h 1981158"/>
+              <a:gd name="connsiteX0" fmla="*/ 0 w 2706472"/>
+              <a:gd name="connsiteY0" fmla="*/ 2436931 h 2733773"/>
+              <a:gd name="connsiteX1" fmla="*/ 492496 w 2706472"/>
+              <a:gd name="connsiteY1" fmla="*/ 752615 h 2733773"/>
+              <a:gd name="connsiteX2" fmla="*/ 1534912 w 2706472"/>
+              <a:gd name="connsiteY2" fmla="*/ 0 h 2733773"/>
+              <a:gd name="connsiteX3" fmla="*/ 2624176 w 2706472"/>
+              <a:gd name="connsiteY3" fmla="*/ 1230741 h 2733773"/>
+              <a:gd name="connsiteX4" fmla="*/ 2706472 w 2706472"/>
+              <a:gd name="connsiteY4" fmla="*/ 2733773 h 2733773"/>
+              <a:gd name="connsiteX5" fmla="*/ 1077316 w 2706472"/>
+              <a:gd name="connsiteY5" fmla="*/ 2219335 h 2733773"/>
+              <a:gd name="connsiteX6" fmla="*/ 0 w 2706472"/>
+              <a:gd name="connsiteY6" fmla="*/ 2436931 h 2733773"/>
+              <a:gd name="connsiteX0" fmla="*/ 0 w 2706472"/>
+              <a:gd name="connsiteY0" fmla="*/ 2436931 h 2733773"/>
+              <a:gd name="connsiteX1" fmla="*/ 492496 w 2706472"/>
+              <a:gd name="connsiteY1" fmla="*/ 752615 h 2733773"/>
+              <a:gd name="connsiteX2" fmla="*/ 1534912 w 2706472"/>
+              <a:gd name="connsiteY2" fmla="*/ 0 h 2733773"/>
+              <a:gd name="connsiteX3" fmla="*/ 2669896 w 2706472"/>
+              <a:gd name="connsiteY3" fmla="*/ 1152581 h 2733773"/>
+              <a:gd name="connsiteX4" fmla="*/ 2706472 w 2706472"/>
+              <a:gd name="connsiteY4" fmla="*/ 2733773 h 2733773"/>
+              <a:gd name="connsiteX5" fmla="*/ 1077316 w 2706472"/>
+              <a:gd name="connsiteY5" fmla="*/ 2219335 h 2733773"/>
+              <a:gd name="connsiteX6" fmla="*/ 0 w 2706472"/>
+              <a:gd name="connsiteY6" fmla="*/ 2436931 h 2733773"/>
+              <a:gd name="connsiteX0" fmla="*/ 0 w 2706472"/>
+              <a:gd name="connsiteY0" fmla="*/ 2436931 h 2733773"/>
+              <a:gd name="connsiteX1" fmla="*/ 492496 w 2706472"/>
+              <a:gd name="connsiteY1" fmla="*/ 752615 h 2733773"/>
+              <a:gd name="connsiteX2" fmla="*/ 1534912 w 2706472"/>
+              <a:gd name="connsiteY2" fmla="*/ 0 h 2733773"/>
+              <a:gd name="connsiteX3" fmla="*/ 2669896 w 2706472"/>
+              <a:gd name="connsiteY3" fmla="*/ 1152581 h 2733773"/>
+              <a:gd name="connsiteX4" fmla="*/ 2706472 w 2706472"/>
+              <a:gd name="connsiteY4" fmla="*/ 2733773 h 2733773"/>
+              <a:gd name="connsiteX5" fmla="*/ 1433932 w 2706472"/>
+              <a:gd name="connsiteY5" fmla="*/ 1493568 h 2733773"/>
+              <a:gd name="connsiteX6" fmla="*/ 0 w 2706472"/>
+              <a:gd name="connsiteY6" fmla="*/ 2436931 h 2733773"/>
+              <a:gd name="connsiteX0" fmla="*/ 0 w 2669896"/>
+              <a:gd name="connsiteY0" fmla="*/ 2436931 h 2436931"/>
+              <a:gd name="connsiteX1" fmla="*/ 492496 w 2669896"/>
+              <a:gd name="connsiteY1" fmla="*/ 752615 h 2436931"/>
+              <a:gd name="connsiteX2" fmla="*/ 1534912 w 2669896"/>
+              <a:gd name="connsiteY2" fmla="*/ 0 h 2436931"/>
+              <a:gd name="connsiteX3" fmla="*/ 2669896 w 2669896"/>
+              <a:gd name="connsiteY3" fmla="*/ 1152581 h 2436931"/>
+              <a:gd name="connsiteX4" fmla="*/ 2011528 w 2669896"/>
+              <a:gd name="connsiteY4" fmla="*/ 2320644 h 2436931"/>
+              <a:gd name="connsiteX5" fmla="*/ 1433932 w 2669896"/>
+              <a:gd name="connsiteY5" fmla="*/ 1493568 h 2436931"/>
+              <a:gd name="connsiteX6" fmla="*/ 0 w 2669896"/>
+              <a:gd name="connsiteY6" fmla="*/ 2436931 h 2436931"/>
+              <a:gd name="connsiteX0" fmla="*/ 120152 w 2177400"/>
+              <a:gd name="connsiteY0" fmla="*/ 2090796 h 2320644"/>
+              <a:gd name="connsiteX1" fmla="*/ 0 w 2177400"/>
+              <a:gd name="connsiteY1" fmla="*/ 752615 h 2320644"/>
+              <a:gd name="connsiteX2" fmla="*/ 1042416 w 2177400"/>
+              <a:gd name="connsiteY2" fmla="*/ 0 h 2320644"/>
+              <a:gd name="connsiteX3" fmla="*/ 2177400 w 2177400"/>
+              <a:gd name="connsiteY3" fmla="*/ 1152581 h 2320644"/>
+              <a:gd name="connsiteX4" fmla="*/ 1519032 w 2177400"/>
+              <a:gd name="connsiteY4" fmla="*/ 2320644 h 2320644"/>
+              <a:gd name="connsiteX5" fmla="*/ 941436 w 2177400"/>
+              <a:gd name="connsiteY5" fmla="*/ 1493568 h 2320644"/>
+              <a:gd name="connsiteX6" fmla="*/ 120152 w 2177400"/>
+              <a:gd name="connsiteY6" fmla="*/ 2090796 h 2320644"/>
+              <a:gd name="connsiteX0" fmla="*/ 242072 w 2299320"/>
+              <a:gd name="connsiteY0" fmla="*/ 2090796 h 2320644"/>
+              <a:gd name="connsiteX1" fmla="*/ 0 w 2299320"/>
+              <a:gd name="connsiteY1" fmla="*/ 1018464 h 2320644"/>
+              <a:gd name="connsiteX2" fmla="*/ 1164336 w 2299320"/>
+              <a:gd name="connsiteY2" fmla="*/ 0 h 2320644"/>
+              <a:gd name="connsiteX3" fmla="*/ 2299320 w 2299320"/>
+              <a:gd name="connsiteY3" fmla="*/ 1152581 h 2320644"/>
+              <a:gd name="connsiteX4" fmla="*/ 1640952 w 2299320"/>
+              <a:gd name="connsiteY4" fmla="*/ 2320644 h 2320644"/>
+              <a:gd name="connsiteX5" fmla="*/ 1063356 w 2299320"/>
+              <a:gd name="connsiteY5" fmla="*/ 1493568 h 2320644"/>
+              <a:gd name="connsiteX6" fmla="*/ 242072 w 2299320"/>
+              <a:gd name="connsiteY6" fmla="*/ 2090796 h 2320644"/>
+              <a:gd name="connsiteX0" fmla="*/ 242072 w 2299320"/>
+              <a:gd name="connsiteY0" fmla="*/ 2090796 h 2790068"/>
+              <a:gd name="connsiteX1" fmla="*/ 0 w 2299320"/>
+              <a:gd name="connsiteY1" fmla="*/ 1018464 h 2790068"/>
+              <a:gd name="connsiteX2" fmla="*/ 1164336 w 2299320"/>
+              <a:gd name="connsiteY2" fmla="*/ 0 h 2790068"/>
+              <a:gd name="connsiteX3" fmla="*/ 2299320 w 2299320"/>
+              <a:gd name="connsiteY3" fmla="*/ 1152581 h 2790068"/>
+              <a:gd name="connsiteX4" fmla="*/ 1640952 w 2299320"/>
+              <a:gd name="connsiteY4" fmla="*/ 2320644 h 2790068"/>
+              <a:gd name="connsiteX5" fmla="*/ 712412 w 2299320"/>
+              <a:gd name="connsiteY5" fmla="*/ 2790068 h 2790068"/>
+              <a:gd name="connsiteX6" fmla="*/ 242072 w 2299320"/>
+              <a:gd name="connsiteY6" fmla="*/ 2090796 h 2790068"/>
+            </a:gdLst>
+            <a:ahLst/>
+            <a:cxnLst>
+              <a:cxn ang="0">
+                <a:pos x="connsiteX0" y="connsiteY0"/>
+              </a:cxn>
+              <a:cxn ang="0">
+                <a:pos x="connsiteX1" y="connsiteY1"/>
+              </a:cxn>
+              <a:cxn ang="0">
+                <a:pos x="connsiteX2" y="connsiteY2"/>
+              </a:cxn>
+              <a:cxn ang="0">
+                <a:pos x="connsiteX3" y="connsiteY3"/>
+              </a:cxn>
+              <a:cxn ang="0">
+                <a:pos x="connsiteX4" y="connsiteY4"/>
+              </a:cxn>
+              <a:cxn ang="0">
+                <a:pos x="connsiteX5" y="connsiteY5"/>
+              </a:cxn>
+              <a:cxn ang="0">
+                <a:pos x="connsiteX6" y="connsiteY6"/>
+              </a:cxn>
+            </a:cxnLst>
+            <a:rect l="l" t="t" r="r" b="b"/>
+            <a:pathLst>
+              <a:path w="2299320" h="2790068">
+                <a:moveTo>
+                  <a:pt x="242072" y="2090796"/>
+                </a:moveTo>
+                <a:lnTo>
+                  <a:pt x="0" y="1018464"/>
+                </a:lnTo>
+                <a:lnTo>
+                  <a:pt x="1164336" y="0"/>
+                </a:lnTo>
+                <a:lnTo>
+                  <a:pt x="2299320" y="1152581"/>
+                </a:lnTo>
+                <a:lnTo>
+                  <a:pt x="1640952" y="2320644"/>
+                </a:lnTo>
+                <a:lnTo>
+                  <a:pt x="712412" y="2790068"/>
+                </a:lnTo>
+                <a:lnTo>
+                  <a:pt x="242072" y="2090796"/>
+                </a:lnTo>
+                <a:close/>
+              </a:path>
+            </a:pathLst>
+          </a:custGeom>
+          <a:noFill/>
+          <a:ln w="28575">
+            <a:solidFill>
+              <a:schemeClr val="accent4">
+                <a:lumMod val="75000"/>
+              </a:schemeClr>
+            </a:solidFill>
+          </a:ln>
+        </p:spPr>
+        <p:style>
+          <a:lnRef idx="1">
+            <a:schemeClr val="accent1"/>
+          </a:lnRef>
+          <a:fillRef idx="2">
+            <a:schemeClr val="accent1"/>
+          </a:fillRef>
+          <a:effectRef idx="1">
+            <a:schemeClr val="accent1"/>
+          </a:effectRef>
+          <a:fontRef idx="minor">
+            <a:schemeClr val="dk1"/>
+          </a:fontRef>
+        </p:style>
+        <p:txBody>
+          <a:bodyPr rtlCol="0" anchor="ctr"/>
+          <a:lstStyle/>
+          <a:p>
+            <a:pPr algn="ctr"/>
+            <a:endParaRPr lang="pt-BR"/>
+          </a:p>
+        </p:txBody>
+      </p:sp>
+      <p:sp>
+        <p:nvSpPr>
+          <p:cNvPr id="8" name="Forma em L 7">
+            <a:extLst>
+              <a:ext uri="{FF2B5EF4-FFF2-40B4-BE49-F238E27FC236}">
+                <a16:creationId xmlns:a16="http://schemas.microsoft.com/office/drawing/2014/main" id="{5F3F2A3B-D072-48A6-B715-A3670F3CC863}"/>
+              </a:ext>
+            </a:extLst>
+          </p:cNvPr>
+          <p:cNvSpPr/>
+          <p:nvPr/>
+        </p:nvSpPr>
+        <p:spPr>
+          <a:xfrm rot="20070681">
+            <a:off x="1520148" y="3729780"/>
+            <a:ext cx="1298099" cy="1098612"/>
+          </a:xfrm>
+          <a:custGeom>
+            <a:avLst/>
+            <a:gdLst>
+              <a:gd name="connsiteX0" fmla="*/ 0 w 2016224"/>
+              <a:gd name="connsiteY0" fmla="*/ 0 h 1872208"/>
+              <a:gd name="connsiteX1" fmla="*/ 936104 w 2016224"/>
+              <a:gd name="connsiteY1" fmla="*/ 0 h 1872208"/>
+              <a:gd name="connsiteX2" fmla="*/ 936104 w 2016224"/>
+              <a:gd name="connsiteY2" fmla="*/ 936104 h 1872208"/>
+              <a:gd name="connsiteX3" fmla="*/ 2016224 w 2016224"/>
+              <a:gd name="connsiteY3" fmla="*/ 936104 h 1872208"/>
+              <a:gd name="connsiteX4" fmla="*/ 2016224 w 2016224"/>
+              <a:gd name="connsiteY4" fmla="*/ 1872208 h 1872208"/>
+              <a:gd name="connsiteX5" fmla="*/ 0 w 2016224"/>
+              <a:gd name="connsiteY5" fmla="*/ 1872208 h 1872208"/>
+              <a:gd name="connsiteX6" fmla="*/ 0 w 2016224"/>
+              <a:gd name="connsiteY6" fmla="*/ 0 h 1872208"/>
+              <a:gd name="connsiteX0" fmla="*/ 0 w 2016224"/>
+              <a:gd name="connsiteY0" fmla="*/ 365760 h 2237968"/>
+              <a:gd name="connsiteX1" fmla="*/ 579488 w 2016224"/>
+              <a:gd name="connsiteY1" fmla="*/ 0 h 2237968"/>
+              <a:gd name="connsiteX2" fmla="*/ 936104 w 2016224"/>
+              <a:gd name="connsiteY2" fmla="*/ 1301864 h 2237968"/>
+              <a:gd name="connsiteX3" fmla="*/ 2016224 w 2016224"/>
+              <a:gd name="connsiteY3" fmla="*/ 1301864 h 2237968"/>
+              <a:gd name="connsiteX4" fmla="*/ 2016224 w 2016224"/>
+              <a:gd name="connsiteY4" fmla="*/ 2237968 h 2237968"/>
+              <a:gd name="connsiteX5" fmla="*/ 0 w 2016224"/>
+              <a:gd name="connsiteY5" fmla="*/ 2237968 h 2237968"/>
+              <a:gd name="connsiteX6" fmla="*/ 0 w 2016224"/>
+              <a:gd name="connsiteY6" fmla="*/ 365760 h 2237968"/>
+              <a:gd name="connsiteX0" fmla="*/ 0 w 2016224"/>
+              <a:gd name="connsiteY0" fmla="*/ 365760 h 2237968"/>
+              <a:gd name="connsiteX1" fmla="*/ 579488 w 2016224"/>
+              <a:gd name="connsiteY1" fmla="*/ 0 h 2237968"/>
+              <a:gd name="connsiteX2" fmla="*/ 936104 w 2016224"/>
+              <a:gd name="connsiteY2" fmla="*/ 1301864 h 2237968"/>
+              <a:gd name="connsiteX3" fmla="*/ 1933928 w 2016224"/>
+              <a:gd name="connsiteY3" fmla="*/ 734936 h 2237968"/>
+              <a:gd name="connsiteX4" fmla="*/ 2016224 w 2016224"/>
+              <a:gd name="connsiteY4" fmla="*/ 2237968 h 2237968"/>
+              <a:gd name="connsiteX5" fmla="*/ 0 w 2016224"/>
+              <a:gd name="connsiteY5" fmla="*/ 2237968 h 2237968"/>
+              <a:gd name="connsiteX6" fmla="*/ 0 w 2016224"/>
+              <a:gd name="connsiteY6" fmla="*/ 365760 h 2237968"/>
+              <a:gd name="connsiteX0" fmla="*/ 0 w 3323398"/>
+              <a:gd name="connsiteY0" fmla="*/ 3065209 h 3065209"/>
+              <a:gd name="connsiteX1" fmla="*/ 1886662 w 3323398"/>
+              <a:gd name="connsiteY1" fmla="*/ 0 h 3065209"/>
+              <a:gd name="connsiteX2" fmla="*/ 2243278 w 3323398"/>
+              <a:gd name="connsiteY2" fmla="*/ 1301864 h 3065209"/>
+              <a:gd name="connsiteX3" fmla="*/ 3241102 w 3323398"/>
+              <a:gd name="connsiteY3" fmla="*/ 734936 h 3065209"/>
+              <a:gd name="connsiteX4" fmla="*/ 3323398 w 3323398"/>
+              <a:gd name="connsiteY4" fmla="*/ 2237968 h 3065209"/>
+              <a:gd name="connsiteX5" fmla="*/ 1307174 w 3323398"/>
+              <a:gd name="connsiteY5" fmla="*/ 2237968 h 3065209"/>
+              <a:gd name="connsiteX6" fmla="*/ 0 w 3323398"/>
+              <a:gd name="connsiteY6" fmla="*/ 3065209 h 3065209"/>
+              <a:gd name="connsiteX0" fmla="*/ 0 w 3323398"/>
+              <a:gd name="connsiteY0" fmla="*/ 3065209 h 3065209"/>
+              <a:gd name="connsiteX1" fmla="*/ 1886662 w 3323398"/>
+              <a:gd name="connsiteY1" fmla="*/ 0 h 3065209"/>
+              <a:gd name="connsiteX2" fmla="*/ 2243278 w 3323398"/>
+              <a:gd name="connsiteY2" fmla="*/ 1301864 h 3065209"/>
+              <a:gd name="connsiteX3" fmla="*/ 3241102 w 3323398"/>
+              <a:gd name="connsiteY3" fmla="*/ 734936 h 3065209"/>
+              <a:gd name="connsiteX4" fmla="*/ 3323398 w 3323398"/>
+              <a:gd name="connsiteY4" fmla="*/ 2237968 h 3065209"/>
+              <a:gd name="connsiteX5" fmla="*/ 1694242 w 3323398"/>
+              <a:gd name="connsiteY5" fmla="*/ 1723530 h 3065209"/>
+              <a:gd name="connsiteX6" fmla="*/ 0 w 3323398"/>
+              <a:gd name="connsiteY6" fmla="*/ 3065209 h 3065209"/>
+              <a:gd name="connsiteX0" fmla="*/ 0 w 2706472"/>
+              <a:gd name="connsiteY0" fmla="*/ 1941126 h 2237968"/>
+              <a:gd name="connsiteX1" fmla="*/ 1269736 w 2706472"/>
+              <a:gd name="connsiteY1" fmla="*/ 0 h 2237968"/>
+              <a:gd name="connsiteX2" fmla="*/ 1626352 w 2706472"/>
+              <a:gd name="connsiteY2" fmla="*/ 1301864 h 2237968"/>
+              <a:gd name="connsiteX3" fmla="*/ 2624176 w 2706472"/>
+              <a:gd name="connsiteY3" fmla="*/ 734936 h 2237968"/>
+              <a:gd name="connsiteX4" fmla="*/ 2706472 w 2706472"/>
+              <a:gd name="connsiteY4" fmla="*/ 2237968 h 2237968"/>
+              <a:gd name="connsiteX5" fmla="*/ 1077316 w 2706472"/>
+              <a:gd name="connsiteY5" fmla="*/ 1723530 h 2237968"/>
+              <a:gd name="connsiteX6" fmla="*/ 0 w 2706472"/>
+              <a:gd name="connsiteY6" fmla="*/ 1941126 h 2237968"/>
+              <a:gd name="connsiteX0" fmla="*/ 0 w 2706472"/>
+              <a:gd name="connsiteY0" fmla="*/ 1311900 h 1608742"/>
+              <a:gd name="connsiteX1" fmla="*/ 868465 w 2706472"/>
+              <a:gd name="connsiteY1" fmla="*/ 0 h 1608742"/>
+              <a:gd name="connsiteX2" fmla="*/ 1626352 w 2706472"/>
+              <a:gd name="connsiteY2" fmla="*/ 672638 h 1608742"/>
+              <a:gd name="connsiteX3" fmla="*/ 2624176 w 2706472"/>
+              <a:gd name="connsiteY3" fmla="*/ 105710 h 1608742"/>
+              <a:gd name="connsiteX4" fmla="*/ 2706472 w 2706472"/>
+              <a:gd name="connsiteY4" fmla="*/ 1608742 h 1608742"/>
+              <a:gd name="connsiteX5" fmla="*/ 1077316 w 2706472"/>
+              <a:gd name="connsiteY5" fmla="*/ 1094304 h 1608742"/>
+              <a:gd name="connsiteX6" fmla="*/ 0 w 2706472"/>
+              <a:gd name="connsiteY6" fmla="*/ 1311900 h 1608742"/>
+              <a:gd name="connsiteX0" fmla="*/ 0 w 2706472"/>
+              <a:gd name="connsiteY0" fmla="*/ 1427235 h 1724077"/>
+              <a:gd name="connsiteX1" fmla="*/ 868465 w 2706472"/>
+              <a:gd name="connsiteY1" fmla="*/ 115335 h 1724077"/>
+              <a:gd name="connsiteX2" fmla="*/ 2204603 w 2706472"/>
+              <a:gd name="connsiteY2" fmla="*/ 0 h 1724077"/>
+              <a:gd name="connsiteX3" fmla="*/ 2624176 w 2706472"/>
+              <a:gd name="connsiteY3" fmla="*/ 221045 h 1724077"/>
+              <a:gd name="connsiteX4" fmla="*/ 2706472 w 2706472"/>
+              <a:gd name="connsiteY4" fmla="*/ 1724077 h 1724077"/>
+              <a:gd name="connsiteX5" fmla="*/ 1077316 w 2706472"/>
+              <a:gd name="connsiteY5" fmla="*/ 1209639 h 1724077"/>
+              <a:gd name="connsiteX6" fmla="*/ 0 w 2706472"/>
+              <a:gd name="connsiteY6" fmla="*/ 1427235 h 1724077"/>
+              <a:gd name="connsiteX0" fmla="*/ 0 w 2624176"/>
+              <a:gd name="connsiteY0" fmla="*/ 1427235 h 1427235"/>
+              <a:gd name="connsiteX1" fmla="*/ 868465 w 2624176"/>
+              <a:gd name="connsiteY1" fmla="*/ 115335 h 1427235"/>
+              <a:gd name="connsiteX2" fmla="*/ 2204603 w 2624176"/>
+              <a:gd name="connsiteY2" fmla="*/ 0 h 1427235"/>
+              <a:gd name="connsiteX3" fmla="*/ 2624176 w 2624176"/>
+              <a:gd name="connsiteY3" fmla="*/ 221045 h 1427235"/>
+              <a:gd name="connsiteX4" fmla="*/ 2621619 w 2624176"/>
+              <a:gd name="connsiteY4" fmla="*/ 690892 h 1427235"/>
+              <a:gd name="connsiteX5" fmla="*/ 1077316 w 2624176"/>
+              <a:gd name="connsiteY5" fmla="*/ 1209639 h 1427235"/>
+              <a:gd name="connsiteX6" fmla="*/ 0 w 2624176"/>
+              <a:gd name="connsiteY6" fmla="*/ 1427235 h 1427235"/>
+              <a:gd name="connsiteX0" fmla="*/ 0 w 2624176"/>
+              <a:gd name="connsiteY0" fmla="*/ 1427235 h 1427235"/>
+              <a:gd name="connsiteX1" fmla="*/ 868465 w 2624176"/>
+              <a:gd name="connsiteY1" fmla="*/ 115335 h 1427235"/>
+              <a:gd name="connsiteX2" fmla="*/ 2204603 w 2624176"/>
+              <a:gd name="connsiteY2" fmla="*/ 0 h 1427235"/>
+              <a:gd name="connsiteX3" fmla="*/ 2624176 w 2624176"/>
+              <a:gd name="connsiteY3" fmla="*/ 221045 h 1427235"/>
+              <a:gd name="connsiteX4" fmla="*/ 2621619 w 2624176"/>
+              <a:gd name="connsiteY4" fmla="*/ 690892 h 1427235"/>
+              <a:gd name="connsiteX5" fmla="*/ 1895965 w 2624176"/>
+              <a:gd name="connsiteY5" fmla="*/ 934571 h 1427235"/>
+              <a:gd name="connsiteX6" fmla="*/ 1077316 w 2624176"/>
+              <a:gd name="connsiteY6" fmla="*/ 1209639 h 1427235"/>
+              <a:gd name="connsiteX7" fmla="*/ 0 w 2624176"/>
+              <a:gd name="connsiteY7" fmla="*/ 1427235 h 1427235"/>
+              <a:gd name="connsiteX0" fmla="*/ 0 w 2624176"/>
+              <a:gd name="connsiteY0" fmla="*/ 1427235 h 1427235"/>
+              <a:gd name="connsiteX1" fmla="*/ 868465 w 2624176"/>
+              <a:gd name="connsiteY1" fmla="*/ 115335 h 1427235"/>
+              <a:gd name="connsiteX2" fmla="*/ 2204603 w 2624176"/>
+              <a:gd name="connsiteY2" fmla="*/ 0 h 1427235"/>
+              <a:gd name="connsiteX3" fmla="*/ 2624176 w 2624176"/>
+              <a:gd name="connsiteY3" fmla="*/ 221045 h 1427235"/>
+              <a:gd name="connsiteX4" fmla="*/ 2621619 w 2624176"/>
+              <a:gd name="connsiteY4" fmla="*/ 690892 h 1427235"/>
+              <a:gd name="connsiteX5" fmla="*/ 2112490 w 2624176"/>
+              <a:gd name="connsiteY5" fmla="*/ 1139095 h 1427235"/>
+              <a:gd name="connsiteX6" fmla="*/ 1077316 w 2624176"/>
+              <a:gd name="connsiteY6" fmla="*/ 1209639 h 1427235"/>
+              <a:gd name="connsiteX7" fmla="*/ 0 w 2624176"/>
+              <a:gd name="connsiteY7" fmla="*/ 1427235 h 1427235"/>
+              <a:gd name="connsiteX0" fmla="*/ 0 w 2624176"/>
+              <a:gd name="connsiteY0" fmla="*/ 1427235 h 1716873"/>
+              <a:gd name="connsiteX1" fmla="*/ 868465 w 2624176"/>
+              <a:gd name="connsiteY1" fmla="*/ 115335 h 1716873"/>
+              <a:gd name="connsiteX2" fmla="*/ 2204603 w 2624176"/>
+              <a:gd name="connsiteY2" fmla="*/ 0 h 1716873"/>
+              <a:gd name="connsiteX3" fmla="*/ 2624176 w 2624176"/>
+              <a:gd name="connsiteY3" fmla="*/ 221045 h 1716873"/>
+              <a:gd name="connsiteX4" fmla="*/ 2621619 w 2624176"/>
+              <a:gd name="connsiteY4" fmla="*/ 690892 h 1716873"/>
+              <a:gd name="connsiteX5" fmla="*/ 2112490 w 2624176"/>
+              <a:gd name="connsiteY5" fmla="*/ 1139095 h 1716873"/>
+              <a:gd name="connsiteX6" fmla="*/ 1291349 w 2624176"/>
+              <a:gd name="connsiteY6" fmla="*/ 1716873 h 1716873"/>
+              <a:gd name="connsiteX7" fmla="*/ 0 w 2624176"/>
+              <a:gd name="connsiteY7" fmla="*/ 1427235 h 1716873"/>
+              <a:gd name="connsiteX0" fmla="*/ 0 w 2282885"/>
+              <a:gd name="connsiteY0" fmla="*/ 1306301 h 1716873"/>
+              <a:gd name="connsiteX1" fmla="*/ 527174 w 2282885"/>
+              <a:gd name="connsiteY1" fmla="*/ 115335 h 1716873"/>
+              <a:gd name="connsiteX2" fmla="*/ 1863312 w 2282885"/>
+              <a:gd name="connsiteY2" fmla="*/ 0 h 1716873"/>
+              <a:gd name="connsiteX3" fmla="*/ 2282885 w 2282885"/>
+              <a:gd name="connsiteY3" fmla="*/ 221045 h 1716873"/>
+              <a:gd name="connsiteX4" fmla="*/ 2280328 w 2282885"/>
+              <a:gd name="connsiteY4" fmla="*/ 690892 h 1716873"/>
+              <a:gd name="connsiteX5" fmla="*/ 1771199 w 2282885"/>
+              <a:gd name="connsiteY5" fmla="*/ 1139095 h 1716873"/>
+              <a:gd name="connsiteX6" fmla="*/ 950058 w 2282885"/>
+              <a:gd name="connsiteY6" fmla="*/ 1716873 h 1716873"/>
+              <a:gd name="connsiteX7" fmla="*/ 0 w 2282885"/>
+              <a:gd name="connsiteY7" fmla="*/ 1306301 h 1716873"/>
+              <a:gd name="connsiteX0" fmla="*/ 0 w 2282885"/>
+              <a:gd name="connsiteY0" fmla="*/ 1306301 h 1716873"/>
+              <a:gd name="connsiteX1" fmla="*/ 527174 w 2282885"/>
+              <a:gd name="connsiteY1" fmla="*/ 115335 h 1716873"/>
+              <a:gd name="connsiteX2" fmla="*/ 1863312 w 2282885"/>
+              <a:gd name="connsiteY2" fmla="*/ 0 h 1716873"/>
+              <a:gd name="connsiteX3" fmla="*/ 2282885 w 2282885"/>
+              <a:gd name="connsiteY3" fmla="*/ 221045 h 1716873"/>
+              <a:gd name="connsiteX4" fmla="*/ 2280328 w 2282885"/>
+              <a:gd name="connsiteY4" fmla="*/ 690892 h 1716873"/>
+              <a:gd name="connsiteX5" fmla="*/ 1771199 w 2282885"/>
+              <a:gd name="connsiteY5" fmla="*/ 1139095 h 1716873"/>
+              <a:gd name="connsiteX6" fmla="*/ 950058 w 2282885"/>
+              <a:gd name="connsiteY6" fmla="*/ 1716873 h 1716873"/>
+              <a:gd name="connsiteX7" fmla="*/ 465058 w 2282885"/>
+              <a:gd name="connsiteY7" fmla="*/ 1499020 h 1716873"/>
+              <a:gd name="connsiteX8" fmla="*/ 0 w 2282885"/>
+              <a:gd name="connsiteY8" fmla="*/ 1306301 h 1716873"/>
+              <a:gd name="connsiteX0" fmla="*/ 0 w 2282885"/>
+              <a:gd name="connsiteY0" fmla="*/ 1306301 h 1716873"/>
+              <a:gd name="connsiteX1" fmla="*/ 527174 w 2282885"/>
+              <a:gd name="connsiteY1" fmla="*/ 115335 h 1716873"/>
+              <a:gd name="connsiteX2" fmla="*/ 1863312 w 2282885"/>
+              <a:gd name="connsiteY2" fmla="*/ 0 h 1716873"/>
+              <a:gd name="connsiteX3" fmla="*/ 2282885 w 2282885"/>
+              <a:gd name="connsiteY3" fmla="*/ 221045 h 1716873"/>
+              <a:gd name="connsiteX4" fmla="*/ 2280328 w 2282885"/>
+              <a:gd name="connsiteY4" fmla="*/ 690892 h 1716873"/>
+              <a:gd name="connsiteX5" fmla="*/ 1771199 w 2282885"/>
+              <a:gd name="connsiteY5" fmla="*/ 1139095 h 1716873"/>
+              <a:gd name="connsiteX6" fmla="*/ 950058 w 2282885"/>
+              <a:gd name="connsiteY6" fmla="*/ 1716873 h 1716873"/>
+              <a:gd name="connsiteX7" fmla="*/ 607297 w 2282885"/>
+              <a:gd name="connsiteY7" fmla="*/ 1668129 h 1716873"/>
+              <a:gd name="connsiteX8" fmla="*/ 0 w 2282885"/>
+              <a:gd name="connsiteY8" fmla="*/ 1306301 h 1716873"/>
+              <a:gd name="connsiteX0" fmla="*/ 0 w 2038627"/>
+              <a:gd name="connsiteY0" fmla="*/ 1027679 h 1716873"/>
+              <a:gd name="connsiteX1" fmla="*/ 282916 w 2038627"/>
+              <a:gd name="connsiteY1" fmla="*/ 115335 h 1716873"/>
+              <a:gd name="connsiteX2" fmla="*/ 1619054 w 2038627"/>
+              <a:gd name="connsiteY2" fmla="*/ 0 h 1716873"/>
+              <a:gd name="connsiteX3" fmla="*/ 2038627 w 2038627"/>
+              <a:gd name="connsiteY3" fmla="*/ 221045 h 1716873"/>
+              <a:gd name="connsiteX4" fmla="*/ 2036070 w 2038627"/>
+              <a:gd name="connsiteY4" fmla="*/ 690892 h 1716873"/>
+              <a:gd name="connsiteX5" fmla="*/ 1526941 w 2038627"/>
+              <a:gd name="connsiteY5" fmla="*/ 1139095 h 1716873"/>
+              <a:gd name="connsiteX6" fmla="*/ 705800 w 2038627"/>
+              <a:gd name="connsiteY6" fmla="*/ 1716873 h 1716873"/>
+              <a:gd name="connsiteX7" fmla="*/ 363039 w 2038627"/>
+              <a:gd name="connsiteY7" fmla="*/ 1668129 h 1716873"/>
+              <a:gd name="connsiteX8" fmla="*/ 0 w 2038627"/>
+              <a:gd name="connsiteY8" fmla="*/ 1027679 h 1716873"/>
+              <a:gd name="connsiteX0" fmla="*/ 0 w 2038627"/>
+              <a:gd name="connsiteY0" fmla="*/ 1027679 h 1716873"/>
+              <a:gd name="connsiteX1" fmla="*/ 157159 w 2038627"/>
+              <a:gd name="connsiteY1" fmla="*/ 506335 h 1716873"/>
+              <a:gd name="connsiteX2" fmla="*/ 282916 w 2038627"/>
+              <a:gd name="connsiteY2" fmla="*/ 115335 h 1716873"/>
+              <a:gd name="connsiteX3" fmla="*/ 1619054 w 2038627"/>
+              <a:gd name="connsiteY3" fmla="*/ 0 h 1716873"/>
+              <a:gd name="connsiteX4" fmla="*/ 2038627 w 2038627"/>
+              <a:gd name="connsiteY4" fmla="*/ 221045 h 1716873"/>
+              <a:gd name="connsiteX5" fmla="*/ 2036070 w 2038627"/>
+              <a:gd name="connsiteY5" fmla="*/ 690892 h 1716873"/>
+              <a:gd name="connsiteX6" fmla="*/ 1526941 w 2038627"/>
+              <a:gd name="connsiteY6" fmla="*/ 1139095 h 1716873"/>
+              <a:gd name="connsiteX7" fmla="*/ 705800 w 2038627"/>
+              <a:gd name="connsiteY7" fmla="*/ 1716873 h 1716873"/>
+              <a:gd name="connsiteX8" fmla="*/ 363039 w 2038627"/>
+              <a:gd name="connsiteY8" fmla="*/ 1668129 h 1716873"/>
+              <a:gd name="connsiteX9" fmla="*/ 0 w 2038627"/>
+              <a:gd name="connsiteY9" fmla="*/ 1027679 h 1716873"/>
+              <a:gd name="connsiteX0" fmla="*/ 0 w 2038627"/>
+              <a:gd name="connsiteY0" fmla="*/ 1027679 h 1716873"/>
+              <a:gd name="connsiteX1" fmla="*/ 17993 w 2038627"/>
+              <a:gd name="connsiteY1" fmla="*/ 500770 h 1716873"/>
+              <a:gd name="connsiteX2" fmla="*/ 282916 w 2038627"/>
+              <a:gd name="connsiteY2" fmla="*/ 115335 h 1716873"/>
+              <a:gd name="connsiteX3" fmla="*/ 1619054 w 2038627"/>
+              <a:gd name="connsiteY3" fmla="*/ 0 h 1716873"/>
+              <a:gd name="connsiteX4" fmla="*/ 2038627 w 2038627"/>
+              <a:gd name="connsiteY4" fmla="*/ 221045 h 1716873"/>
+              <a:gd name="connsiteX5" fmla="*/ 2036070 w 2038627"/>
+              <a:gd name="connsiteY5" fmla="*/ 690892 h 1716873"/>
+              <a:gd name="connsiteX6" fmla="*/ 1526941 w 2038627"/>
+              <a:gd name="connsiteY6" fmla="*/ 1139095 h 1716873"/>
+              <a:gd name="connsiteX7" fmla="*/ 705800 w 2038627"/>
+              <a:gd name="connsiteY7" fmla="*/ 1716873 h 1716873"/>
+              <a:gd name="connsiteX8" fmla="*/ 363039 w 2038627"/>
+              <a:gd name="connsiteY8" fmla="*/ 1668129 h 1716873"/>
+              <a:gd name="connsiteX9" fmla="*/ 0 w 2038627"/>
+              <a:gd name="connsiteY9" fmla="*/ 1027679 h 1716873"/>
+              <a:gd name="connsiteX0" fmla="*/ 0 w 2038627"/>
+              <a:gd name="connsiteY0" fmla="*/ 1027679 h 1716873"/>
+              <a:gd name="connsiteX1" fmla="*/ 17993 w 2038627"/>
+              <a:gd name="connsiteY1" fmla="*/ 500770 h 1716873"/>
+              <a:gd name="connsiteX2" fmla="*/ 282916 w 2038627"/>
+              <a:gd name="connsiteY2" fmla="*/ 115335 h 1716873"/>
+              <a:gd name="connsiteX3" fmla="*/ 1619054 w 2038627"/>
+              <a:gd name="connsiteY3" fmla="*/ 0 h 1716873"/>
+              <a:gd name="connsiteX4" fmla="*/ 2038627 w 2038627"/>
+              <a:gd name="connsiteY4" fmla="*/ 221045 h 1716873"/>
+              <a:gd name="connsiteX5" fmla="*/ 2036070 w 2038627"/>
+              <a:gd name="connsiteY5" fmla="*/ 690892 h 1716873"/>
+              <a:gd name="connsiteX6" fmla="*/ 1658445 w 2038627"/>
+              <a:gd name="connsiteY6" fmla="*/ 1524647 h 1716873"/>
+              <a:gd name="connsiteX7" fmla="*/ 705800 w 2038627"/>
+              <a:gd name="connsiteY7" fmla="*/ 1716873 h 1716873"/>
+              <a:gd name="connsiteX8" fmla="*/ 363039 w 2038627"/>
+              <a:gd name="connsiteY8" fmla="*/ 1668129 h 1716873"/>
+              <a:gd name="connsiteX9" fmla="*/ 0 w 2038627"/>
+              <a:gd name="connsiteY9" fmla="*/ 1027679 h 1716873"/>
+            </a:gdLst>
+            <a:ahLst/>
+            <a:cxnLst>
+              <a:cxn ang="0">
+                <a:pos x="connsiteX0" y="connsiteY0"/>
+              </a:cxn>
+              <a:cxn ang="0">
+                <a:pos x="connsiteX1" y="connsiteY1"/>
+              </a:cxn>
+              <a:cxn ang="0">
+                <a:pos x="connsiteX2" y="connsiteY2"/>
+              </a:cxn>
+              <a:cxn ang="0">
+                <a:pos x="connsiteX3" y="connsiteY3"/>
+              </a:cxn>
+              <a:cxn ang="0">
+                <a:pos x="connsiteX4" y="connsiteY4"/>
+              </a:cxn>
+              <a:cxn ang="0">
+                <a:pos x="connsiteX5" y="connsiteY5"/>
+              </a:cxn>
+              <a:cxn ang="0">
+                <a:pos x="connsiteX6" y="connsiteY6"/>
+              </a:cxn>
+              <a:cxn ang="0">
+                <a:pos x="connsiteX7" y="connsiteY7"/>
+              </a:cxn>
+              <a:cxn ang="0">
+                <a:pos x="connsiteX8" y="connsiteY8"/>
+              </a:cxn>
+              <a:cxn ang="0">
+                <a:pos x="connsiteX9" y="connsiteY9"/>
+              </a:cxn>
+            </a:cxnLst>
+            <a:rect l="l" t="t" r="r" b="b"/>
+            <a:pathLst>
+              <a:path w="2038627" h="1716873">
+                <a:moveTo>
+                  <a:pt x="0" y="1027679"/>
+                </a:moveTo>
+                <a:lnTo>
+                  <a:pt x="17993" y="500770"/>
+                </a:lnTo>
+                <a:lnTo>
+                  <a:pt x="282916" y="115335"/>
+                </a:lnTo>
+                <a:lnTo>
+                  <a:pt x="1619054" y="0"/>
+                </a:lnTo>
+                <a:lnTo>
+                  <a:pt x="2038627" y="221045"/>
+                </a:lnTo>
+                <a:cubicBezTo>
+                  <a:pt x="2037775" y="377661"/>
+                  <a:pt x="2036922" y="534276"/>
+                  <a:pt x="2036070" y="690892"/>
+                </a:cubicBezTo>
+                <a:lnTo>
+                  <a:pt x="1658445" y="1524647"/>
+                </a:lnTo>
+                <a:lnTo>
+                  <a:pt x="705800" y="1716873"/>
+                </a:lnTo>
+                <a:lnTo>
+                  <a:pt x="363039" y="1668129"/>
+                </a:lnTo>
+                <a:lnTo>
+                  <a:pt x="0" y="1027679"/>
+                </a:lnTo>
+                <a:close/>
+              </a:path>
+            </a:pathLst>
+          </a:custGeom>
+          <a:noFill/>
+          <a:ln w="28575">
+            <a:solidFill>
+              <a:schemeClr val="accent4">
+                <a:lumMod val="75000"/>
+              </a:schemeClr>
+            </a:solidFill>
+          </a:ln>
+        </p:spPr>
+        <p:style>
+          <a:lnRef idx="1">
+            <a:schemeClr val="accent1"/>
+          </a:lnRef>
+          <a:fillRef idx="2">
+            <a:schemeClr val="accent1"/>
+          </a:fillRef>
+          <a:effectRef idx="1">
+            <a:schemeClr val="accent1"/>
+          </a:effectRef>
+          <a:fontRef idx="minor">
+            <a:schemeClr val="dk1"/>
+          </a:fontRef>
+        </p:style>
+        <p:txBody>
+          <a:bodyPr rtlCol="0" anchor="ctr"/>
+          <a:lstStyle/>
+          <a:p>
+            <a:pPr algn="ctr"/>
+            <a:endParaRPr lang="pt-BR"/>
+          </a:p>
+        </p:txBody>
+      </p:sp>
+      <p:cxnSp>
+        <p:nvCxnSpPr>
+          <p:cNvPr id="14" name="Conector reto 13">
+            <a:extLst>
+              <a:ext uri="{FF2B5EF4-FFF2-40B4-BE49-F238E27FC236}">
+                <a16:creationId xmlns:a16="http://schemas.microsoft.com/office/drawing/2014/main" id="{4BD2E0EA-2C12-4F0F-A1F3-97EC8DD4A4DB}"/>
+              </a:ext>
+            </a:extLst>
+          </p:cNvPr>
+          <p:cNvCxnSpPr>
+            <a:cxnSpLocks/>
+            <a:stCxn id="12" idx="7"/>
+            <a:endCxn id="11" idx="3"/>
+          </p:cNvCxnSpPr>
+          <p:nvPr/>
+        </p:nvCxnSpPr>
+        <p:spPr>
+          <a:xfrm flipV="1">
+            <a:off x="2161117" y="3383187"/>
+            <a:ext cx="1218726" cy="876393"/>
+          </a:xfrm>
+          <a:prstGeom prst="line">
+            <a:avLst/>
+          </a:prstGeom>
+          <a:ln w="19050">
+            <a:solidFill>
+              <a:schemeClr val="accent1">
+                <a:lumMod val="75000"/>
+              </a:schemeClr>
+            </a:solidFill>
+            <a:prstDash val="sysDot"/>
+          </a:ln>
+        </p:spPr>
+        <p:style>
+          <a:lnRef idx="1">
+            <a:schemeClr val="accent1"/>
+          </a:lnRef>
+          <a:fillRef idx="0">
+            <a:schemeClr val="accent1"/>
+          </a:fillRef>
+          <a:effectRef idx="0">
+            <a:schemeClr val="accent1"/>
+          </a:effectRef>
+          <a:fontRef idx="minor">
+            <a:schemeClr val="tx1"/>
+          </a:fontRef>
+        </p:style>
+      </p:cxnSp>
+      <p:cxnSp>
+        <p:nvCxnSpPr>
+          <p:cNvPr id="20" name="Conector reto 19">
+            <a:extLst>
+              <a:ext uri="{FF2B5EF4-FFF2-40B4-BE49-F238E27FC236}">
+                <a16:creationId xmlns:a16="http://schemas.microsoft.com/office/drawing/2014/main" id="{F744D71D-D7C5-4B7B-83CC-9D0B5C953486}"/>
+              </a:ext>
+            </a:extLst>
+          </p:cNvPr>
+          <p:cNvCxnSpPr>
+            <a:cxnSpLocks/>
+            <a:stCxn id="12" idx="6"/>
+          </p:cNvCxnSpPr>
+          <p:nvPr/>
+        </p:nvCxnSpPr>
+        <p:spPr>
+          <a:xfrm>
+            <a:off x="2169197" y="4279086"/>
+            <a:ext cx="1006118" cy="0"/>
+          </a:xfrm>
+          <a:prstGeom prst="line">
+            <a:avLst/>
+          </a:prstGeom>
+          <a:ln w="19050">
+            <a:solidFill>
+              <a:schemeClr val="accent1">
+                <a:lumMod val="75000"/>
+              </a:schemeClr>
+            </a:solidFill>
+            <a:prstDash val="sysDot"/>
+          </a:ln>
+        </p:spPr>
+        <p:style>
+          <a:lnRef idx="1">
+            <a:schemeClr val="accent1"/>
+          </a:lnRef>
+          <a:fillRef idx="0">
+            <a:schemeClr val="accent1"/>
+          </a:fillRef>
+          <a:effectRef idx="0">
+            <a:schemeClr val="accent1"/>
+          </a:effectRef>
+          <a:fontRef idx="minor">
+            <a:schemeClr val="tx1"/>
+          </a:fontRef>
+        </p:style>
+      </p:cxnSp>
+      <p:sp>
+        <p:nvSpPr>
+          <p:cNvPr id="23" name="Arco 22">
+            <a:extLst>
+              <a:ext uri="{FF2B5EF4-FFF2-40B4-BE49-F238E27FC236}">
+                <a16:creationId xmlns:a16="http://schemas.microsoft.com/office/drawing/2014/main" id="{DA1D8306-87DB-4699-958B-962CD76D991E}"/>
+              </a:ext>
+            </a:extLst>
+          </p:cNvPr>
+          <p:cNvSpPr/>
+          <p:nvPr/>
+        </p:nvSpPr>
+        <p:spPr>
+          <a:xfrm>
+            <a:off x="2093195" y="4074464"/>
+            <a:ext cx="331033" cy="326996"/>
+          </a:xfrm>
+          <a:prstGeom prst="arc">
+            <a:avLst>
+              <a:gd name="adj1" fmla="val 18631769"/>
+              <a:gd name="adj2" fmla="val 844634"/>
+            </a:avLst>
+          </a:prstGeom>
+          <a:ln w="19050">
+            <a:solidFill>
+              <a:schemeClr val="accent1">
+                <a:lumMod val="75000"/>
+              </a:schemeClr>
+            </a:solidFill>
+          </a:ln>
+        </p:spPr>
+        <p:style>
+          <a:lnRef idx="1">
+            <a:schemeClr val="accent1"/>
+          </a:lnRef>
+          <a:fillRef idx="0">
+            <a:schemeClr val="accent1"/>
+          </a:fillRef>
+          <a:effectRef idx="0">
+            <a:schemeClr val="accent1"/>
+          </a:effectRef>
+          <a:fontRef idx="minor">
+            <a:schemeClr val="tx1"/>
+          </a:fontRef>
+        </p:style>
+        <p:txBody>
+          <a:bodyPr rtlCol="0" anchor="ctr"/>
+          <a:lstStyle/>
+          <a:p>
+            <a:pPr algn="ctr"/>
+            <a:endParaRPr lang="pt-BR"/>
+          </a:p>
+        </p:txBody>
+      </p:sp>
+      <p:sp>
+        <p:nvSpPr>
+          <p:cNvPr id="24" name="CaixaDeTexto 23">
+            <a:extLst>
+              <a:ext uri="{FF2B5EF4-FFF2-40B4-BE49-F238E27FC236}">
+                <a16:creationId xmlns:a16="http://schemas.microsoft.com/office/drawing/2014/main" id="{C0CADB50-B4CC-42A6-9DE0-47C48BCF22CD}"/>
+              </a:ext>
+            </a:extLst>
+          </p:cNvPr>
+          <p:cNvSpPr txBox="1"/>
+          <p:nvPr/>
+        </p:nvSpPr>
+        <p:spPr>
+          <a:xfrm>
+            <a:off x="2413690" y="4001006"/>
+            <a:ext cx="294154" cy="326084"/>
+          </a:xfrm>
+          <a:prstGeom prst="rect">
+            <a:avLst/>
+          </a:prstGeom>
+          <a:noFill/>
+        </p:spPr>
+        <p:txBody>
+          <a:bodyPr wrap="none" rtlCol="0">
+            <a:spAutoFit/>
+          </a:bodyPr>
+          <a:lstStyle/>
+          <a:p>
+            <a:r>
+              <a:rPr lang="pt-BR" sz="1400" dirty="0">
+                <a:solidFill>
+                  <a:schemeClr val="bg1">
+                    <a:lumMod val="85000"/>
+                  </a:schemeClr>
+                </a:solidFill>
+                <a:sym typeface="Symbol" panose="05050102010706020507" pitchFamily="18" charset="2"/>
+              </a:rPr>
+              <a:t></a:t>
+            </a:r>
+            <a:endParaRPr lang="pt-BR" sz="1400" dirty="0">
+              <a:solidFill>
+                <a:schemeClr val="bg1">
+                  <a:lumMod val="85000"/>
+                </a:schemeClr>
+              </a:solidFill>
+            </a:endParaRPr>
+          </a:p>
+        </p:txBody>
+      </p:sp>
+      <p:sp>
+        <p:nvSpPr>
+          <p:cNvPr id="34" name="CaixaDeTexto 33">
+            <a:extLst>
+              <a:ext uri="{FF2B5EF4-FFF2-40B4-BE49-F238E27FC236}">
+                <a16:creationId xmlns:a16="http://schemas.microsoft.com/office/drawing/2014/main" id="{419FE553-89BF-4F44-A60F-3933FC8EE191}"/>
+              </a:ext>
+            </a:extLst>
+          </p:cNvPr>
+          <p:cNvSpPr txBox="1"/>
+          <p:nvPr/>
+        </p:nvSpPr>
+        <p:spPr>
+          <a:xfrm>
+            <a:off x="1969058" y="3934405"/>
+            <a:ext cx="325730" cy="338554"/>
+          </a:xfrm>
+          <a:prstGeom prst="rect">
+            <a:avLst/>
+          </a:prstGeom>
+          <a:noFill/>
+        </p:spPr>
+        <p:txBody>
+          <a:bodyPr wrap="none" rtlCol="0">
+            <a:spAutoFit/>
+          </a:bodyPr>
+          <a:lstStyle/>
+          <a:p>
+            <a:r>
+              <a:rPr lang="pt-BR" sz="1600" dirty="0">
+                <a:solidFill>
+                  <a:schemeClr val="accent4">
+                    <a:lumMod val="60000"/>
+                    <a:lumOff val="40000"/>
+                  </a:schemeClr>
+                </a:solidFill>
+              </a:rPr>
+              <a:t>A</a:t>
+            </a:r>
+          </a:p>
+        </p:txBody>
+      </p:sp>
+      <p:sp>
+        <p:nvSpPr>
+          <p:cNvPr id="35" name="CaixaDeTexto 34">
+            <a:extLst>
+              <a:ext uri="{FF2B5EF4-FFF2-40B4-BE49-F238E27FC236}">
+                <a16:creationId xmlns:a16="http://schemas.microsoft.com/office/drawing/2014/main" id="{6BB2A446-0F0A-4E71-8402-A8B24097CC33}"/>
+              </a:ext>
+            </a:extLst>
+          </p:cNvPr>
+          <p:cNvSpPr txBox="1"/>
+          <p:nvPr/>
+        </p:nvSpPr>
+        <p:spPr>
+          <a:xfrm>
+            <a:off x="3305154" y="3006910"/>
+            <a:ext cx="303288" cy="338554"/>
+          </a:xfrm>
+          <a:prstGeom prst="rect">
+            <a:avLst/>
+          </a:prstGeom>
+          <a:noFill/>
+        </p:spPr>
+        <p:txBody>
+          <a:bodyPr wrap="none" rtlCol="0">
+            <a:spAutoFit/>
+          </a:bodyPr>
+          <a:lstStyle/>
+          <a:p>
+            <a:r>
+              <a:rPr lang="pt-BR" sz="1600" dirty="0">
+                <a:solidFill>
+                  <a:schemeClr val="accent4">
+                    <a:lumMod val="60000"/>
+                    <a:lumOff val="40000"/>
+                  </a:schemeClr>
+                </a:solidFill>
+              </a:rPr>
+              <a:t>B</a:t>
+            </a:r>
+          </a:p>
+        </p:txBody>
+      </p:sp>
+      <p:sp>
+        <p:nvSpPr>
+          <p:cNvPr id="11" name="Elipse 10">
+            <a:extLst>
+              <a:ext uri="{FF2B5EF4-FFF2-40B4-BE49-F238E27FC236}">
+                <a16:creationId xmlns:a16="http://schemas.microsoft.com/office/drawing/2014/main" id="{BC02A153-9F11-483E-9B48-BB7C7DC62026}"/>
+              </a:ext>
+            </a:extLst>
+          </p:cNvPr>
+          <p:cNvSpPr/>
+          <p:nvPr/>
+        </p:nvSpPr>
+        <p:spPr>
+          <a:xfrm>
+            <a:off x="3371763" y="3336094"/>
+            <a:ext cx="55172" cy="55172"/>
+          </a:xfrm>
+          <a:prstGeom prst="ellipse">
+            <a:avLst/>
+          </a:prstGeom>
+          <a:solidFill>
+            <a:schemeClr val="accent4">
+              <a:lumMod val="75000"/>
+            </a:schemeClr>
+          </a:solidFill>
+          <a:ln w="28575">
+            <a:solidFill>
+              <a:schemeClr val="accent4">
+                <a:lumMod val="75000"/>
+              </a:schemeClr>
+            </a:solidFill>
+          </a:ln>
+        </p:spPr>
+        <p:style>
+          <a:lnRef idx="1">
+            <a:schemeClr val="accent1"/>
+          </a:lnRef>
+          <a:fillRef idx="2">
+            <a:schemeClr val="accent1"/>
+          </a:fillRef>
+          <a:effectRef idx="1">
+            <a:schemeClr val="accent1"/>
+          </a:effectRef>
+          <a:fontRef idx="minor">
+            <a:schemeClr val="dk1"/>
+          </a:fontRef>
+        </p:style>
+        <p:txBody>
+          <a:bodyPr rtlCol="0" anchor="ctr"/>
+          <a:lstStyle/>
+          <a:p>
+            <a:pPr algn="ctr"/>
+            <a:endParaRPr lang="pt-BR"/>
+          </a:p>
+        </p:txBody>
+      </p:sp>
+      <p:sp>
+        <p:nvSpPr>
+          <p:cNvPr id="12" name="Elipse 11">
+            <a:extLst>
+              <a:ext uri="{FF2B5EF4-FFF2-40B4-BE49-F238E27FC236}">
+                <a16:creationId xmlns:a16="http://schemas.microsoft.com/office/drawing/2014/main" id="{D0108959-B2D0-4BFD-9805-219F98A70E84}"/>
+              </a:ext>
+            </a:extLst>
+          </p:cNvPr>
+          <p:cNvSpPr/>
+          <p:nvPr/>
+        </p:nvSpPr>
+        <p:spPr>
+          <a:xfrm>
+            <a:off x="2114024" y="4251499"/>
+            <a:ext cx="55172" cy="55172"/>
+          </a:xfrm>
+          <a:prstGeom prst="ellipse">
+            <a:avLst/>
+          </a:prstGeom>
+          <a:solidFill>
+            <a:schemeClr val="accent4">
+              <a:lumMod val="75000"/>
+            </a:schemeClr>
+          </a:solidFill>
+          <a:ln w="28575">
+            <a:solidFill>
+              <a:schemeClr val="accent4">
+                <a:lumMod val="75000"/>
+              </a:schemeClr>
+            </a:solidFill>
+          </a:ln>
+        </p:spPr>
+        <p:style>
+          <a:lnRef idx="1">
+            <a:schemeClr val="accent1"/>
+          </a:lnRef>
+          <a:fillRef idx="2">
+            <a:schemeClr val="accent1"/>
+          </a:fillRef>
+          <a:effectRef idx="1">
+            <a:schemeClr val="accent1"/>
+          </a:effectRef>
+          <a:fontRef idx="minor">
+            <a:schemeClr val="dk1"/>
+          </a:fontRef>
+        </p:style>
+        <p:txBody>
+          <a:bodyPr rtlCol="0" anchor="ctr"/>
+          <a:lstStyle/>
+          <a:p>
+            <a:pPr algn="ctr"/>
+            <a:endParaRPr lang="pt-BR"/>
+          </a:p>
+        </p:txBody>
+      </p:sp>
+      <p:cxnSp>
+        <p:nvCxnSpPr>
+          <p:cNvPr id="40" name="Conector reto 39">
+            <a:extLst>
+              <a:ext uri="{FF2B5EF4-FFF2-40B4-BE49-F238E27FC236}">
+                <a16:creationId xmlns:a16="http://schemas.microsoft.com/office/drawing/2014/main" id="{1C8B5C30-74C5-47A0-B671-9D867C704004}"/>
+              </a:ext>
+            </a:extLst>
+          </p:cNvPr>
+          <p:cNvCxnSpPr>
+            <a:cxnSpLocks/>
+          </p:cNvCxnSpPr>
+          <p:nvPr/>
+        </p:nvCxnSpPr>
+        <p:spPr>
+          <a:xfrm flipH="1" flipV="1">
+            <a:off x="2612686" y="2727452"/>
+            <a:ext cx="757602" cy="622219"/>
+          </a:xfrm>
+          <a:prstGeom prst="line">
+            <a:avLst/>
+          </a:prstGeom>
+          <a:ln w="28575">
+            <a:solidFill>
+              <a:schemeClr val="accent1"/>
+            </a:solidFill>
+            <a:headEnd type="none" w="med" len="med"/>
+            <a:tailEnd type="arrow" w="med" len="med"/>
+          </a:ln>
+        </p:spPr>
+        <p:style>
+          <a:lnRef idx="1">
+            <a:schemeClr val="accent1"/>
+          </a:lnRef>
+          <a:fillRef idx="0">
+            <a:schemeClr val="accent1"/>
+          </a:fillRef>
+          <a:effectRef idx="0">
+            <a:schemeClr val="accent1"/>
+          </a:effectRef>
+          <a:fontRef idx="minor">
+            <a:schemeClr val="tx1"/>
+          </a:fontRef>
+        </p:style>
+      </p:cxnSp>
+      <p:cxnSp>
+        <p:nvCxnSpPr>
+          <p:cNvPr id="42" name="Conector reto 41">
+            <a:extLst>
+              <a:ext uri="{FF2B5EF4-FFF2-40B4-BE49-F238E27FC236}">
+                <a16:creationId xmlns:a16="http://schemas.microsoft.com/office/drawing/2014/main" id="{895A342A-A6F8-435F-B6B3-9AAD2BF5B3BB}"/>
+              </a:ext>
+            </a:extLst>
+          </p:cNvPr>
+          <p:cNvCxnSpPr>
+            <a:cxnSpLocks/>
+          </p:cNvCxnSpPr>
+          <p:nvPr/>
+        </p:nvCxnSpPr>
+        <p:spPr>
+          <a:xfrm>
+            <a:off x="2160240" y="4305000"/>
+            <a:ext cx="769973" cy="621889"/>
+          </a:xfrm>
+          <a:prstGeom prst="line">
+            <a:avLst/>
+          </a:prstGeom>
+          <a:ln w="28575">
+            <a:solidFill>
+              <a:schemeClr val="accent1"/>
+            </a:solidFill>
+            <a:headEnd type="none" w="med" len="med"/>
+            <a:tailEnd type="arrow" w="med" len="med"/>
+          </a:ln>
+        </p:spPr>
+        <p:style>
+          <a:lnRef idx="1">
+            <a:schemeClr val="accent1"/>
+          </a:lnRef>
+          <a:fillRef idx="0">
+            <a:schemeClr val="accent1"/>
+          </a:fillRef>
+          <a:effectRef idx="0">
+            <a:schemeClr val="accent1"/>
+          </a:effectRef>
+          <a:fontRef idx="minor">
+            <a:schemeClr val="tx1"/>
+          </a:fontRef>
+        </p:style>
+      </p:cxnSp>
+      <p:sp>
+        <p:nvSpPr>
+          <p:cNvPr id="46" name="CaixaDeTexto 45">
+            <a:extLst>
+              <a:ext uri="{FF2B5EF4-FFF2-40B4-BE49-F238E27FC236}">
+                <a16:creationId xmlns:a16="http://schemas.microsoft.com/office/drawing/2014/main" id="{21B5B9FF-A247-431F-B19E-AC66626AE96E}"/>
+              </a:ext>
+            </a:extLst>
+          </p:cNvPr>
+          <p:cNvSpPr txBox="1"/>
+          <p:nvPr/>
+        </p:nvSpPr>
+        <p:spPr>
+          <a:xfrm>
+            <a:off x="2243674" y="2372140"/>
+            <a:ext cx="369012" cy="338554"/>
+          </a:xfrm>
+          <a:prstGeom prst="rect">
+            <a:avLst/>
+          </a:prstGeom>
+          <a:noFill/>
+        </p:spPr>
+        <p:txBody>
+          <a:bodyPr wrap="none" rtlCol="0">
+            <a:spAutoFit/>
+          </a:bodyPr>
+          <a:lstStyle/>
+          <a:p>
+            <a:r>
+              <a:rPr lang="pt-BR" sz="1600" dirty="0">
+                <a:solidFill>
+                  <a:schemeClr val="accent4">
+                    <a:lumMod val="60000"/>
+                    <a:lumOff val="40000"/>
+                  </a:schemeClr>
+                </a:solidFill>
+              </a:rPr>
+              <a:t>v</a:t>
+            </a:r>
+            <a:r>
+              <a:rPr lang="pt-BR" sz="1600" baseline="-25000" dirty="0">
+                <a:solidFill>
+                  <a:schemeClr val="accent4">
+                    <a:lumMod val="60000"/>
+                    <a:lumOff val="40000"/>
+                  </a:schemeClr>
+                </a:solidFill>
+              </a:rPr>
+              <a:t>B</a:t>
+            </a:r>
+          </a:p>
+        </p:txBody>
+      </p:sp>
+      <p:sp>
+        <p:nvSpPr>
+          <p:cNvPr id="50" name="CaixaDeTexto 49">
+            <a:extLst>
+              <a:ext uri="{FF2B5EF4-FFF2-40B4-BE49-F238E27FC236}">
+                <a16:creationId xmlns:a16="http://schemas.microsoft.com/office/drawing/2014/main" id="{1EF517F5-9D68-446C-8002-F3B98562D38C}"/>
+              </a:ext>
+            </a:extLst>
+          </p:cNvPr>
+          <p:cNvSpPr txBox="1"/>
+          <p:nvPr/>
+        </p:nvSpPr>
+        <p:spPr>
+          <a:xfrm>
+            <a:off x="2930213" y="4870666"/>
+            <a:ext cx="385042" cy="338554"/>
+          </a:xfrm>
+          <a:prstGeom prst="rect">
+            <a:avLst/>
+          </a:prstGeom>
+          <a:noFill/>
+        </p:spPr>
+        <p:txBody>
+          <a:bodyPr wrap="none" rtlCol="0">
+            <a:spAutoFit/>
+          </a:bodyPr>
+          <a:lstStyle/>
+          <a:p>
+            <a:r>
+              <a:rPr lang="pt-BR" sz="1600" dirty="0">
+                <a:solidFill>
+                  <a:schemeClr val="accent4">
+                    <a:lumMod val="60000"/>
+                    <a:lumOff val="40000"/>
+                  </a:schemeClr>
+                </a:solidFill>
+              </a:rPr>
+              <a:t>v</a:t>
+            </a:r>
+            <a:r>
+              <a:rPr lang="pt-BR" sz="1600" baseline="-25000" dirty="0">
+                <a:solidFill>
+                  <a:schemeClr val="accent4">
+                    <a:lumMod val="60000"/>
+                    <a:lumOff val="40000"/>
+                  </a:schemeClr>
+                </a:solidFill>
+              </a:rPr>
+              <a:t>A</a:t>
+            </a:r>
+          </a:p>
+        </p:txBody>
+      </p:sp>
+      <p:grpSp>
+        <p:nvGrpSpPr>
+          <p:cNvPr id="53" name="Agrupar 52">
+            <a:extLst>
+              <a:ext uri="{FF2B5EF4-FFF2-40B4-BE49-F238E27FC236}">
+                <a16:creationId xmlns:a16="http://schemas.microsoft.com/office/drawing/2014/main" id="{EDDFE328-3C63-4D8A-B24B-3C29F224136F}"/>
+              </a:ext>
+            </a:extLst>
+          </p:cNvPr>
+          <p:cNvGrpSpPr/>
+          <p:nvPr/>
+        </p:nvGrpSpPr>
+        <p:grpSpPr>
+          <a:xfrm>
+            <a:off x="11574734" y="6372414"/>
+            <a:ext cx="617266" cy="495111"/>
+            <a:chOff x="11574734" y="6372414"/>
+            <a:chExt cx="617266" cy="495111"/>
+          </a:xfrm>
+        </p:grpSpPr>
+        <p:sp>
+          <p:nvSpPr>
+            <p:cNvPr id="54" name="Triângulo isósceles 6">
+              <a:extLst>
+                <a:ext uri="{FF2B5EF4-FFF2-40B4-BE49-F238E27FC236}">
+                  <a16:creationId xmlns:a16="http://schemas.microsoft.com/office/drawing/2014/main" id="{B2389B33-3B65-42E7-9C17-F63BA40F26C3}"/>
+                </a:ext>
+              </a:extLst>
+            </p:cNvPr>
+            <p:cNvSpPr/>
+            <p:nvPr/>
+          </p:nvSpPr>
+          <p:spPr>
+            <a:xfrm>
+              <a:off x="11574734" y="6372414"/>
+              <a:ext cx="593516" cy="464210"/>
+            </a:xfrm>
+            <a:custGeom>
+              <a:avLst/>
+              <a:gdLst>
+                <a:gd name="connsiteX0" fmla="*/ 0 w 864096"/>
+                <a:gd name="connsiteY0" fmla="*/ 1512168 h 1512168"/>
+                <a:gd name="connsiteX1" fmla="*/ 432048 w 864096"/>
+                <a:gd name="connsiteY1" fmla="*/ 0 h 1512168"/>
+                <a:gd name="connsiteX2" fmla="*/ 864096 w 864096"/>
+                <a:gd name="connsiteY2" fmla="*/ 1512168 h 1512168"/>
+                <a:gd name="connsiteX3" fmla="*/ 0 w 864096"/>
+                <a:gd name="connsiteY3" fmla="*/ 1512168 h 1512168"/>
+                <a:gd name="connsiteX0" fmla="*/ 0 w 864096"/>
+                <a:gd name="connsiteY0" fmla="*/ 787773 h 787773"/>
+                <a:gd name="connsiteX1" fmla="*/ 847684 w 864096"/>
+                <a:gd name="connsiteY1" fmla="*/ 0 h 787773"/>
+                <a:gd name="connsiteX2" fmla="*/ 864096 w 864096"/>
+                <a:gd name="connsiteY2" fmla="*/ 787773 h 787773"/>
+                <a:gd name="connsiteX3" fmla="*/ 0 w 864096"/>
+                <a:gd name="connsiteY3" fmla="*/ 787773 h 787773"/>
+                <a:gd name="connsiteX0" fmla="*/ 0 w 864096"/>
+                <a:gd name="connsiteY0" fmla="*/ 797298 h 797298"/>
+                <a:gd name="connsiteX1" fmla="*/ 857209 w 864096"/>
+                <a:gd name="connsiteY1" fmla="*/ 0 h 797298"/>
+                <a:gd name="connsiteX2" fmla="*/ 864096 w 864096"/>
+                <a:gd name="connsiteY2" fmla="*/ 797298 h 797298"/>
+                <a:gd name="connsiteX3" fmla="*/ 0 w 864096"/>
+                <a:gd name="connsiteY3" fmla="*/ 797298 h 797298"/>
+                <a:gd name="connsiteX0" fmla="*/ 0 w 864096"/>
+                <a:gd name="connsiteY0" fmla="*/ 799680 h 799680"/>
+                <a:gd name="connsiteX1" fmla="*/ 861971 w 864096"/>
+                <a:gd name="connsiteY1" fmla="*/ 0 h 799680"/>
+                <a:gd name="connsiteX2" fmla="*/ 864096 w 864096"/>
+                <a:gd name="connsiteY2" fmla="*/ 799680 h 799680"/>
+                <a:gd name="connsiteX3" fmla="*/ 0 w 864096"/>
+                <a:gd name="connsiteY3" fmla="*/ 799680 h 799680"/>
+              </a:gdLst>
+              <a:ahLst/>
+              <a:cxnLst>
+                <a:cxn ang="0">
+                  <a:pos x="connsiteX0" y="connsiteY0"/>
+                </a:cxn>
+                <a:cxn ang="0">
+                  <a:pos x="connsiteX1" y="connsiteY1"/>
+                </a:cxn>
+                <a:cxn ang="0">
+                  <a:pos x="connsiteX2" y="connsiteY2"/>
+                </a:cxn>
+                <a:cxn ang="0">
+                  <a:pos x="connsiteX3" y="connsiteY3"/>
+                </a:cxn>
+              </a:cxnLst>
+              <a:rect l="l" t="t" r="r" b="b"/>
+              <a:pathLst>
+                <a:path w="864096" h="799680">
+                  <a:moveTo>
+                    <a:pt x="0" y="799680"/>
+                  </a:moveTo>
+                  <a:lnTo>
+                    <a:pt x="861971" y="0"/>
+                  </a:lnTo>
+                  <a:cubicBezTo>
+                    <a:pt x="864267" y="265766"/>
+                    <a:pt x="861800" y="533914"/>
+                    <a:pt x="864096" y="799680"/>
+                  </a:cubicBezTo>
+                  <a:lnTo>
+                    <a:pt x="0" y="799680"/>
+                  </a:lnTo>
+                  <a:close/>
+                </a:path>
+              </a:pathLst>
+            </a:custGeom>
+            <a:solidFill>
+              <a:schemeClr val="accent1">
+                <a:lumMod val="75000"/>
+              </a:schemeClr>
+            </a:solidFill>
+            <a:ln>
+              <a:solidFill>
+                <a:schemeClr val="accent1">
+                  <a:lumMod val="75000"/>
+                </a:schemeClr>
+              </a:solidFill>
+            </a:ln>
+          </p:spPr>
+          <p:style>
+            <a:lnRef idx="2">
+              <a:schemeClr val="accent1">
+                <a:shade val="50000"/>
+              </a:schemeClr>
+            </a:lnRef>
+            <a:fillRef idx="1">
+              <a:schemeClr val="accent1"/>
+            </a:fillRef>
+            <a:effectRef idx="0">
+              <a:schemeClr val="accent1"/>
+            </a:effectRef>
+            <a:fontRef idx="minor">
+              <a:schemeClr val="lt1"/>
+            </a:fontRef>
+          </p:style>
+          <p:txBody>
+            <a:bodyPr rtlCol="0" anchor="ctr"/>
+            <a:lstStyle/>
+            <a:p>
+              <a:pPr algn="ctr"/>
+              <a:endParaRPr lang="pt-BR" dirty="0"/>
+            </a:p>
+          </p:txBody>
+        </p:sp>
+        <p:sp>
+          <p:nvSpPr>
+            <p:cNvPr id="55" name="Retângulo 54">
+              <a:extLst>
+                <a:ext uri="{FF2B5EF4-FFF2-40B4-BE49-F238E27FC236}">
+                  <a16:creationId xmlns:a16="http://schemas.microsoft.com/office/drawing/2014/main" id="{3150D93C-2AC0-459B-8A0C-A486B7A3DD28}"/>
+                </a:ext>
+              </a:extLst>
+            </p:cNvPr>
+            <p:cNvSpPr/>
+            <p:nvPr/>
+          </p:nvSpPr>
+          <p:spPr>
+            <a:xfrm>
+              <a:off x="11800716" y="6467415"/>
+              <a:ext cx="391284" cy="400110"/>
+            </a:xfrm>
+            <a:prstGeom prst="rect">
+              <a:avLst/>
+            </a:prstGeom>
+          </p:spPr>
+          <p:txBody>
+            <a:bodyPr wrap="square">
+              <a:spAutoFit/>
+            </a:bodyPr>
+            <a:lstStyle/>
+            <a:p>
+              <a:pPr marL="68580" indent="0">
+                <a:buNone/>
+              </a:pPr>
+              <a:r>
+                <a:rPr lang="pt-BR" sz="2000" dirty="0">
+                  <a:solidFill>
+                    <a:schemeClr val="bg1"/>
+                  </a:solidFill>
+                  <a:latin typeface="Consolas" panose="020B0609020204030204" pitchFamily="49" charset="0"/>
+                </a:rPr>
+                <a:t>»</a:t>
+              </a:r>
+            </a:p>
+          </p:txBody>
+        </p:sp>
+      </p:grpSp>
+      <p:sp>
+        <p:nvSpPr>
+          <p:cNvPr id="56" name="CaixaDeTexto 55">
+            <a:extLst>
+              <a:ext uri="{FF2B5EF4-FFF2-40B4-BE49-F238E27FC236}">
+                <a16:creationId xmlns:a16="http://schemas.microsoft.com/office/drawing/2014/main" id="{EF3DCBE8-5478-4DBB-9D85-32F440AE6960}"/>
+              </a:ext>
+            </a:extLst>
+          </p:cNvPr>
+          <p:cNvSpPr txBox="1"/>
+          <p:nvPr/>
+        </p:nvSpPr>
+        <p:spPr>
+          <a:xfrm>
+            <a:off x="3652887" y="2164492"/>
+            <a:ext cx="957313" cy="338554"/>
+          </a:xfrm>
+          <a:prstGeom prst="rect">
+            <a:avLst/>
+          </a:prstGeom>
+          <a:noFill/>
+        </p:spPr>
+        <p:txBody>
+          <a:bodyPr wrap="none" rtlCol="0">
+            <a:spAutoFit/>
+          </a:bodyPr>
+          <a:lstStyle/>
+          <a:p>
+            <a:r>
+              <a:rPr lang="pt-BR" sz="1600" dirty="0">
+                <a:solidFill>
+                  <a:schemeClr val="accent4">
+                    <a:lumMod val="60000"/>
+                    <a:lumOff val="40000"/>
+                  </a:schemeClr>
+                </a:solidFill>
+              </a:rPr>
+              <a:t>Impact</a:t>
+            </a:r>
+            <a:r>
+              <a:rPr lang="pt-BR" sz="1600" baseline="-25000" dirty="0">
+                <a:solidFill>
+                  <a:schemeClr val="accent4">
+                    <a:lumMod val="60000"/>
+                    <a:lumOff val="40000"/>
+                  </a:schemeClr>
+                </a:solidFill>
+              </a:rPr>
+              <a:t>A</a:t>
+            </a:r>
+          </a:p>
+        </p:txBody>
+      </p:sp>
+      <p:sp>
+        <p:nvSpPr>
+          <p:cNvPr id="57" name="CaixaDeTexto 56">
+            <a:extLst>
+              <a:ext uri="{FF2B5EF4-FFF2-40B4-BE49-F238E27FC236}">
+                <a16:creationId xmlns:a16="http://schemas.microsoft.com/office/drawing/2014/main" id="{40B8A198-54A4-4435-A699-46638005D492}"/>
+              </a:ext>
+            </a:extLst>
+          </p:cNvPr>
+          <p:cNvSpPr txBox="1"/>
+          <p:nvPr/>
+        </p:nvSpPr>
+        <p:spPr>
+          <a:xfrm>
+            <a:off x="911424" y="5161078"/>
+            <a:ext cx="957313" cy="338554"/>
+          </a:xfrm>
+          <a:prstGeom prst="rect">
+            <a:avLst/>
+          </a:prstGeom>
+          <a:noFill/>
+        </p:spPr>
+        <p:txBody>
+          <a:bodyPr wrap="none" rtlCol="0">
+            <a:spAutoFit/>
+          </a:bodyPr>
+          <a:lstStyle/>
+          <a:p>
+            <a:r>
+              <a:rPr lang="pt-BR" sz="1600" dirty="0">
+                <a:solidFill>
+                  <a:schemeClr val="accent4">
+                    <a:lumMod val="60000"/>
+                    <a:lumOff val="40000"/>
+                  </a:schemeClr>
+                </a:solidFill>
+              </a:rPr>
+              <a:t>Impact</a:t>
+            </a:r>
+            <a:r>
+              <a:rPr lang="pt-BR" sz="1600" baseline="-25000" dirty="0">
+                <a:solidFill>
+                  <a:schemeClr val="accent4">
+                    <a:lumMod val="60000"/>
+                    <a:lumOff val="40000"/>
+                  </a:schemeClr>
+                </a:solidFill>
+              </a:rPr>
+              <a:t>B</a:t>
+            </a:r>
+          </a:p>
+        </p:txBody>
+      </p:sp>
+    </p:spTree>
+    <p:extLst>
+      <p:ext uri="{BB962C8B-B14F-4D97-AF65-F5344CB8AC3E}">
+        <p14:creationId xmlns:p14="http://schemas.microsoft.com/office/powerpoint/2010/main" val="4064369692"/>
+      </p:ext>
+    </p:extLst>
+  </p:cSld>
+  <p:clrMapOvr>
+    <a:masterClrMapping/>
+  </p:clrMapOvr>
+</p:sld>
+</file>
+
+<file path=ppt/slides/slide13.xml><?xml version="1.0" encoding="utf-8"?>
+<p:sld xmlns:a="http://schemas.openxmlformats.org/drawingml/2006/main" xmlns:r="http://schemas.openxmlformats.org/officeDocument/2006/relationships" xmlns:p="http://schemas.openxmlformats.org/presentationml/2006/main">
+  <p:cSld>
+    <p:spTree>
+      <p:nvGrpSpPr>
+        <p:cNvPr id="1" name=""/>
+        <p:cNvGrpSpPr/>
+        <p:nvPr/>
+      </p:nvGrpSpPr>
+      <p:grpSpPr>
+        <a:xfrm>
+          <a:off x="0" y="0"/>
+          <a:ext cx="0" cy="0"/>
+          <a:chOff x="0" y="0"/>
+          <a:chExt cx="0" cy="0"/>
+        </a:xfrm>
+      </p:grpSpPr>
+      <p:sp>
+        <p:nvSpPr>
           <p:cNvPr id="2" name="Espaço Reservado para Conteúdo 1"/>
           <p:cNvSpPr>
             <a:spLocks noGrp="1"/>
@@ -15438,6 +18595,7 @@
           </p:nvPicPr>
           <p:blipFill>
             <a:blip r:embed="rId2">
+              <a:grayscl/>
               <a:extLst>
                 <a:ext uri="{28A0092B-C50C-407E-A947-70E740481C1C}">
                   <a14:useLocalDpi xmlns:a14="http://schemas.microsoft.com/office/drawing/2010/main" val="0"/>
@@ -18075,6 +21233,7 @@
           </p:nvPicPr>
           <p:blipFill>
             <a:blip r:embed="rId3">
+              <a:grayscl/>
               <a:extLst>
                 <a:ext uri="{28A0092B-C50C-407E-A947-70E740481C1C}">
                   <a14:useLocalDpi xmlns:a14="http://schemas.microsoft.com/office/drawing/2010/main" val="0"/>
@@ -18877,6 +22036,7 @@
         </p:nvPicPr>
         <p:blipFill>
           <a:blip r:embed="rId3">
+            <a:grayscl/>
             <a:extLst>
               <a:ext uri="{28A0092B-C50C-407E-A947-70E740481C1C}">
                 <a14:useLocalDpi xmlns:a14="http://schemas.microsoft.com/office/drawing/2010/main" val="0"/>
